--- a/Lection 3 - CSS/CSS - 1 часть.pptx
+++ b/Lection 3 - CSS/CSS - 1 часть.pptx
@@ -253,7 +253,7 @@
           <a:p>
             <a:fld id="{1D8BD707-D9CF-40AE-B4C6-C98DA3205C09}" type="datetimeFigureOut">
               <a:rPr lang="en-US"/>
-              <a:t>9/4/2025</a:t>
+              <a:t>9/8/2025</a:t>
             </a:fld>
             <a:endParaRPr lang="en-US"/>
           </a:p>
@@ -430,7 +430,7 @@
           <a:p>
             <a:fld id="{1D8BD707-D9CF-40AE-B4C6-C98DA3205C09}" type="datetimeFigureOut">
               <a:rPr lang="en-US"/>
-              <a:t>9/4/2025</a:t>
+              <a:t>9/8/2025</a:t>
             </a:fld>
             <a:endParaRPr lang="en-US"/>
           </a:p>
@@ -644,7 +644,7 @@
           <a:p>
             <a:fld id="{1D8BD707-D9CF-40AE-B4C6-C98DA3205C09}" type="datetimeFigureOut">
               <a:rPr lang="en-US"/>
-              <a:t>9/4/2025</a:t>
+              <a:t>9/8/2025</a:t>
             </a:fld>
             <a:endParaRPr lang="en-US"/>
           </a:p>
@@ -792,7 +792,7 @@
           <a:p>
             <a:fld id="{1D8BD707-D9CF-40AE-B4C6-C98DA3205C09}" type="datetimeFigureOut">
               <a:rPr lang="en-US"/>
-              <a:t>9/4/2025</a:t>
+              <a:t>9/8/2025</a:t>
             </a:fld>
             <a:endParaRPr lang="en-US"/>
           </a:p>
@@ -911,7 +911,7 @@
           <a:p>
             <a:fld id="{1D8BD707-D9CF-40AE-B4C6-C98DA3205C09}" type="datetimeFigureOut">
               <a:rPr lang="en-US"/>
-              <a:t>9/4/2025</a:t>
+              <a:t>9/8/2025</a:t>
             </a:fld>
             <a:endParaRPr lang="en-US"/>
           </a:p>
@@ -1136,7 +1136,7 @@
           <a:p>
             <a:fld id="{1D8BD707-D9CF-40AE-B4C6-C98DA3205C09}" type="datetimeFigureOut">
               <a:rPr lang="en-US"/>
-              <a:t>9/4/2025</a:t>
+              <a:t>9/8/2025</a:t>
             </a:fld>
             <a:endParaRPr lang="en-US"/>
           </a:p>
@@ -4715,8 +4715,8 @@
         </p:nvSpPr>
         <p:spPr>
           <a:xfrm>
-            <a:off x="602081" y="3657980"/>
-            <a:ext cx="3201035" cy="2082800"/>
+            <a:off x="602081" y="2628900"/>
+            <a:ext cx="7056019" cy="6017032"/>
           </a:xfrm>
           <a:prstGeom prst="rect">
             <a:avLst/>
@@ -4807,11 +4807,102 @@
               </a:spcBef>
             </a:pPr>
             <a:r>
-              <a:rPr sz="3200" spc="-50" dirty="0">
+              <a:rPr sz="3200" spc="-50" dirty="0" smtClean="0">
                 <a:latin typeface="Courier New"/>
                 <a:cs typeface="Courier New"/>
               </a:rPr>
               <a:t>}</a:t>
+            </a:r>
+            <a:endParaRPr lang="en-US" sz="3200" spc="-50" dirty="0" smtClean="0">
+              <a:latin typeface="Courier New"/>
+              <a:cs typeface="Courier New"/>
+            </a:endParaRPr>
+          </a:p>
+          <a:p>
+            <a:pPr marL="12700">
+              <a:lnSpc>
+                <a:spcPct val="100000"/>
+              </a:lnSpc>
+              <a:spcBef>
+                <a:spcPts val="2330"/>
+              </a:spcBef>
+            </a:pPr>
+            <a:endParaRPr lang="en-US" sz="3200" spc="-50" dirty="0">
+              <a:latin typeface="Courier New"/>
+              <a:cs typeface="Courier New"/>
+            </a:endParaRPr>
+          </a:p>
+          <a:p>
+            <a:pPr marL="12700">
+              <a:lnSpc>
+                <a:spcPct val="100000"/>
+              </a:lnSpc>
+              <a:spcBef>
+                <a:spcPts val="2330"/>
+              </a:spcBef>
+            </a:pPr>
+            <a:r>
+              <a:rPr lang="en-US" sz="3200" spc="-50" dirty="0" smtClean="0">
+                <a:latin typeface="Courier New"/>
+                <a:cs typeface="Courier New"/>
+              </a:rPr>
+              <a:t>&lt;div class=“parent”&gt;</a:t>
+            </a:r>
+          </a:p>
+          <a:p>
+            <a:pPr marL="12700" lvl="1">
+              <a:spcBef>
+                <a:spcPts val="2330"/>
+              </a:spcBef>
+            </a:pPr>
+            <a:r>
+              <a:rPr lang="en-US" sz="3200" spc="-50" dirty="0" smtClean="0">
+                <a:latin typeface="Courier New"/>
+                <a:cs typeface="Courier New"/>
+              </a:rPr>
+              <a:t>   &lt;p&gt;</a:t>
+            </a:r>
+            <a:r>
+              <a:rPr lang="en-US" sz="3200" spc="-50" dirty="0" smtClean="0">
+                <a:latin typeface="Courier New"/>
+                <a:cs typeface="Courier New"/>
+              </a:rPr>
+              <a:t>&lt;/p&gt;</a:t>
+            </a:r>
+          </a:p>
+          <a:p>
+            <a:pPr marL="12700" lvl="1">
+              <a:spcBef>
+                <a:spcPts val="2330"/>
+              </a:spcBef>
+            </a:pPr>
+            <a:r>
+              <a:rPr lang="en-US" sz="3200" spc="-50" dirty="0" smtClean="0">
+                <a:latin typeface="Courier New"/>
+                <a:cs typeface="Courier New"/>
+              </a:rPr>
+              <a:t>   &lt;p&gt;&lt;/p&gt;</a:t>
+            </a:r>
+            <a:endParaRPr lang="en-US" sz="3200" dirty="0" smtClean="0">
+              <a:latin typeface="Courier New"/>
+              <a:cs typeface="Courier New"/>
+            </a:endParaRPr>
+          </a:p>
+          <a:p>
+            <a:pPr marL="12700">
+              <a:lnSpc>
+                <a:spcPct val="100000"/>
+              </a:lnSpc>
+              <a:spcBef>
+                <a:spcPts val="2330"/>
+              </a:spcBef>
+            </a:pPr>
+            <a:r>
+              <a:rPr lang="en-US" sz="3200" dirty="0" smtClean="0">
+                <a:latin typeface="Courier New"/>
+                <a:cs typeface="Courier New"/>
+              </a:rPr>
+              <a:t>&lt;/div&gt;</a:t>
             </a:r>
             <a:endParaRPr sz="3200" dirty="0">
               <a:latin typeface="Courier New"/>
@@ -18640,7 +18731,7 @@
         <p:spPr>
           <a:xfrm>
             <a:off x="798068" y="3396574"/>
-            <a:ext cx="8041005" cy="4917372"/>
+            <a:ext cx="8041005" cy="5286704"/>
           </a:xfrm>
           <a:prstGeom prst="rect">
             <a:avLst/>
@@ -18858,12 +18949,15 @@
             </a:r>
             <a:r>
               <a:rPr lang="ru-RU" sz="2000" dirty="0" smtClean="0"/>
-              <a:t>     Общая ширина = </a:t>
+              <a:t>     Общая ширина = сумма(ширина + внешний отступ + рамка + внутренний отступ</a:t>
             </a:r>
             <a:r>
               <a:rPr lang="ru-RU" sz="2000" dirty="0" smtClean="0"/>
-              <a:t>сумма(ширина + внешний отступ + рамка + внутренний отступ)</a:t>
-            </a:r>
+              <a:t>)</a:t>
+            </a:r>
+            <a:endParaRPr lang="en-US" sz="2000" dirty="0" smtClean="0"/>
+          </a:p>
+          <a:p>
             <a:endParaRPr lang="ru-RU" sz="2400" b="1" dirty="0" smtClean="0">
               <a:latin typeface="Arial"/>
               <a:cs typeface="Arial"/>
@@ -19049,11 +19143,7 @@
             <a:pPr marL="428625"/>
             <a:r>
               <a:rPr lang="ru-RU" sz="2000" dirty="0" smtClean="0"/>
-              <a:t>Общая ширина </a:t>
-            </a:r>
-            <a:r>
-              <a:rPr lang="ru-RU" sz="2000" dirty="0" smtClean="0"/>
-              <a:t>= максимум от ширины с учетом внешнего отступа рамки и внутреннего отступа</a:t>
+              <a:t>Общая ширина = максимум от ширины с учетом внешнего отступа рамки и внутреннего отступа</a:t>
             </a:r>
             <a:endParaRPr sz="3200" dirty="0">
               <a:latin typeface="Courier New"/>

--- a/Lection 3 - CSS/CSS - 1 часть.pptx
+++ b/Lection 3 - CSS/CSS - 1 часть.pptx
@@ -69,12 +69,11 @@
     <p:sldId id="344" r:id="rId63"/>
     <p:sldId id="345" r:id="rId64"/>
     <p:sldId id="346" r:id="rId65"/>
-    <p:sldId id="347" r:id="rId66"/>
-    <p:sldId id="348" r:id="rId67"/>
-    <p:sldId id="351" r:id="rId68"/>
-    <p:sldId id="352" r:id="rId69"/>
-    <p:sldId id="353" r:id="rId70"/>
-    <p:sldId id="354" r:id="rId71"/>
+    <p:sldId id="352" r:id="rId66"/>
+    <p:sldId id="353" r:id="rId67"/>
+    <p:sldId id="347" r:id="rId68"/>
+    <p:sldId id="348" r:id="rId69"/>
+    <p:sldId id="354" r:id="rId70"/>
   </p:sldIdLst>
   <p:sldSz cx="10287000" cy="10287000"/>
   <p:notesSz cx="10287000" cy="10287000"/>
@@ -253,7 +252,7 @@
           <a:p>
             <a:fld id="{1D8BD707-D9CF-40AE-B4C6-C98DA3205C09}" type="datetimeFigureOut">
               <a:rPr lang="en-US"/>
-              <a:t>9/8/2025</a:t>
+              <a:t>10/20/2025</a:t>
             </a:fld>
             <a:endParaRPr lang="en-US"/>
           </a:p>
@@ -430,7 +429,7 @@
           <a:p>
             <a:fld id="{1D8BD707-D9CF-40AE-B4C6-C98DA3205C09}" type="datetimeFigureOut">
               <a:rPr lang="en-US"/>
-              <a:t>9/8/2025</a:t>
+              <a:t>10/20/2025</a:t>
             </a:fld>
             <a:endParaRPr lang="en-US"/>
           </a:p>
@@ -644,7 +643,7 @@
           <a:p>
             <a:fld id="{1D8BD707-D9CF-40AE-B4C6-C98DA3205C09}" type="datetimeFigureOut">
               <a:rPr lang="en-US"/>
-              <a:t>9/8/2025</a:t>
+              <a:t>10/20/2025</a:t>
             </a:fld>
             <a:endParaRPr lang="en-US"/>
           </a:p>
@@ -792,7 +791,7 @@
           <a:p>
             <a:fld id="{1D8BD707-D9CF-40AE-B4C6-C98DA3205C09}" type="datetimeFigureOut">
               <a:rPr lang="en-US"/>
-              <a:t>9/8/2025</a:t>
+              <a:t>10/20/2025</a:t>
             </a:fld>
             <a:endParaRPr lang="en-US"/>
           </a:p>
@@ -911,7 +910,7 @@
           <a:p>
             <a:fld id="{1D8BD707-D9CF-40AE-B4C6-C98DA3205C09}" type="datetimeFigureOut">
               <a:rPr lang="en-US"/>
-              <a:t>9/8/2025</a:t>
+              <a:t>10/20/2025</a:t>
             </a:fld>
             <a:endParaRPr lang="en-US"/>
           </a:p>
@@ -1136,7 +1135,7 @@
           <a:p>
             <a:fld id="{1D8BD707-D9CF-40AE-B4C6-C98DA3205C09}" type="datetimeFigureOut">
               <a:rPr lang="en-US"/>
-              <a:t>9/8/2025</a:t>
+              <a:t>10/20/2025</a:t>
             </a:fld>
             <a:endParaRPr lang="en-US"/>
           </a:p>
@@ -4860,14 +4859,7 @@
                 <a:latin typeface="Courier New"/>
                 <a:cs typeface="Courier New"/>
               </a:rPr>
-              <a:t>   &lt;p&gt;</a:t>
-            </a:r>
-            <a:r>
-              <a:rPr lang="en-US" sz="3200" spc="-50" dirty="0" smtClean="0">
-                <a:latin typeface="Courier New"/>
-                <a:cs typeface="Courier New"/>
-              </a:rPr>
-              <a:t>&lt;/p&gt;</a:t>
+              <a:t>   &lt;p&gt;&lt;/p&gt;</a:t>
             </a:r>
           </a:p>
           <a:p>
@@ -5164,14 +5156,21 @@
               </a:spcBef>
             </a:pPr>
             <a:r>
-              <a:rPr sz="3200" dirty="0">
-                <a:latin typeface="Courier New"/>
-                <a:cs typeface="Courier New"/>
-              </a:rPr>
-              <a:t>.parent</a:t>
-            </a:r>
-            <a:r>
-              <a:rPr sz="3200" spc="-95" dirty="0">
+              <a:rPr sz="3200" dirty="0" smtClean="0">
+                <a:latin typeface="Courier New"/>
+                <a:cs typeface="Courier New"/>
+              </a:rPr>
+              <a:t>.</a:t>
+            </a:r>
+            <a:r>
+              <a:rPr lang="en-US" sz="3200" dirty="0" smtClean="0">
+                <a:latin typeface="Courier New"/>
+                <a:cs typeface="Courier New"/>
+              </a:rPr>
+              <a:t>element</a:t>
+            </a:r>
+            <a:r>
+              <a:rPr sz="3200" spc="-95" dirty="0" smtClean="0">
                 <a:latin typeface="Courier New"/>
                 <a:cs typeface="Courier New"/>
               </a:rPr>
@@ -8047,30 +8046,30 @@
               </a:tabLst>
             </a:pPr>
             <a:r>
-              <a:rPr dirty="0"/>
+              <a:rPr sz="5400" dirty="0"/>
               <a:t>Способы</a:t>
             </a:r>
             <a:r>
-              <a:rPr spc="-20" dirty="0"/>
-              <a:t> </a:t>
-            </a:r>
-            <a:r>
-              <a:rPr spc="-10" dirty="0"/>
+              <a:rPr sz="5400" spc="-20" dirty="0"/>
+              <a:t> </a:t>
+            </a:r>
+            <a:r>
+              <a:rPr sz="5400" spc="-10" dirty="0"/>
               <a:t>“обхода” </a:t>
             </a:r>
             <a:r>
-              <a:rPr spc="-20" dirty="0" err="1" smtClean="0"/>
+              <a:rPr sz="5400" spc="-20" dirty="0" err="1" smtClean="0"/>
               <a:t>веса</a:t>
             </a:r>
             <a:r>
-              <a:rPr lang="ru-RU" dirty="0"/>
-              <a:t> </a:t>
-            </a:r>
-            <a:r>
-              <a:rPr spc="-10" dirty="0" err="1" smtClean="0"/>
+              <a:rPr lang="ru-RU" sz="5400" dirty="0"/>
+              <a:t> </a:t>
+            </a:r>
+            <a:r>
+              <a:rPr sz="5400" spc="-10" dirty="0" err="1" smtClean="0"/>
               <a:t>селекторов</a:t>
             </a:r>
-            <a:endParaRPr spc="-10" dirty="0"/>
+            <a:endParaRPr sz="5400" spc="-10" dirty="0"/>
           </a:p>
         </p:txBody>
       </p:sp>
@@ -8108,7 +8107,7 @@
         </p:nvSpPr>
         <p:spPr>
           <a:xfrm>
-            <a:off x="1104900" y="4686300"/>
+            <a:off x="800100" y="3695700"/>
             <a:ext cx="7292975" cy="3475990"/>
           </a:xfrm>
           <a:prstGeom prst="rect">
@@ -8196,7 +8195,7 @@
         </p:blipFill>
         <p:spPr>
           <a:xfrm>
-            <a:off x="411248" y="6591300"/>
+            <a:off x="342900" y="5694446"/>
             <a:ext cx="9685252" cy="3372193"/>
           </a:xfrm>
           <a:prstGeom prst="rect">
@@ -18949,11 +18948,7 @@
             </a:r>
             <a:r>
               <a:rPr lang="ru-RU" sz="2000" dirty="0" smtClean="0"/>
-              <a:t>     Общая ширина = сумма(ширина + внешний отступ + рамка + внутренний отступ</a:t>
-            </a:r>
-            <a:r>
-              <a:rPr lang="ru-RU" sz="2000" dirty="0" smtClean="0"/>
-              <a:t>)</a:t>
+              <a:t>     Общая ширина = сумма(ширина + внешний отступ + рамка + внутренний отступ)</a:t>
             </a:r>
             <a:endParaRPr lang="en-US" sz="2000" dirty="0" smtClean="0"/>
           </a:p>
@@ -28643,6 +28638,620 @@
       <p:sp>
         <p:nvSpPr>
           <p:cNvPr id="2" name="object 2"/>
+          <p:cNvSpPr txBox="1">
+            <a:spLocks noGrp="1"/>
+          </p:cNvSpPr>
+          <p:nvPr>
+            <p:ph type="title"/>
+          </p:nvPr>
+        </p:nvSpPr>
+        <p:spPr>
+          <a:xfrm>
+            <a:off x="602081" y="1702384"/>
+            <a:ext cx="8086090" cy="940435"/>
+          </a:xfrm>
+          <a:prstGeom prst="rect">
+            <a:avLst/>
+          </a:prstGeom>
+        </p:spPr>
+        <p:txBody>
+          <a:bodyPr vert="horz" wrap="square" lIns="0" tIns="12700" rIns="0" bIns="0" rtlCol="0">
+            <a:spAutoFit/>
+          </a:bodyPr>
+          <a:lstStyle/>
+          <a:p>
+            <a:pPr marL="12700">
+              <a:lnSpc>
+                <a:spcPct val="100000"/>
+              </a:lnSpc>
+              <a:spcBef>
+                <a:spcPts val="100"/>
+              </a:spcBef>
+            </a:pPr>
+            <a:r>
+              <a:rPr dirty="0"/>
+              <a:t>Псевдоклассы</a:t>
+            </a:r>
+            <a:r>
+              <a:rPr spc="-15" dirty="0"/>
+              <a:t> </a:t>
+            </a:r>
+            <a:r>
+              <a:rPr dirty="0"/>
+              <a:t>в</a:t>
+            </a:r>
+            <a:r>
+              <a:rPr spc="-10" dirty="0"/>
+              <a:t> </a:t>
+            </a:r>
+            <a:r>
+              <a:rPr spc="-25" dirty="0"/>
+              <a:t>CSS</a:t>
+            </a:r>
+          </a:p>
+        </p:txBody>
+      </p:sp>
+      <p:pic>
+        <p:nvPicPr>
+          <p:cNvPr id="3" name="object 3"/>
+          <p:cNvPicPr/>
+          <p:nvPr/>
+        </p:nvPicPr>
+        <p:blipFill>
+          <a:blip r:embed="rId2" cstate="print"/>
+          <a:stretch>
+            <a:fillRect/>
+          </a:stretch>
+        </p:blipFill>
+        <p:spPr>
+          <a:xfrm>
+            <a:off x="574548" y="370331"/>
+            <a:ext cx="1659636" cy="726948"/>
+          </a:xfrm>
+          <a:prstGeom prst="rect">
+            <a:avLst/>
+          </a:prstGeom>
+        </p:spPr>
+      </p:pic>
+      <p:sp>
+        <p:nvSpPr>
+          <p:cNvPr id="4" name="object 4"/>
+          <p:cNvSpPr txBox="1"/>
+          <p:nvPr/>
+        </p:nvSpPr>
+        <p:spPr>
+          <a:xfrm>
+            <a:off x="693521" y="3343147"/>
+            <a:ext cx="4849495" cy="5935345"/>
+          </a:xfrm>
+          <a:prstGeom prst="rect">
+            <a:avLst/>
+          </a:prstGeom>
+        </p:spPr>
+        <p:txBody>
+          <a:bodyPr vert="horz" wrap="square" lIns="0" tIns="12700" rIns="0" bIns="0" rtlCol="0">
+            <a:spAutoFit/>
+          </a:bodyPr>
+          <a:lstStyle/>
+          <a:p>
+            <a:pPr marL="12700">
+              <a:lnSpc>
+                <a:spcPct val="100000"/>
+              </a:lnSpc>
+              <a:spcBef>
+                <a:spcPts val="100"/>
+              </a:spcBef>
+            </a:pPr>
+            <a:r>
+              <a:rPr sz="2400" b="1" spc="-10" dirty="0">
+                <a:latin typeface="Arial"/>
+                <a:cs typeface="Arial"/>
+              </a:rPr>
+              <a:t>Примеры:</a:t>
+            </a:r>
+            <a:endParaRPr sz="2400" dirty="0">
+              <a:latin typeface="Arial"/>
+              <a:cs typeface="Arial"/>
+            </a:endParaRPr>
+          </a:p>
+          <a:p>
+            <a:pPr>
+              <a:lnSpc>
+                <a:spcPct val="100000"/>
+              </a:lnSpc>
+              <a:spcBef>
+                <a:spcPts val="1570"/>
+              </a:spcBef>
+            </a:pPr>
+            <a:endParaRPr sz="2400" dirty="0">
+              <a:latin typeface="Arial"/>
+              <a:cs typeface="Arial"/>
+            </a:endParaRPr>
+          </a:p>
+          <a:p>
+            <a:pPr marL="927100" marR="248920" indent="-915035">
+              <a:lnSpc>
+                <a:spcPct val="146300"/>
+              </a:lnSpc>
+              <a:spcBef>
+                <a:spcPts val="5"/>
+              </a:spcBef>
+            </a:pPr>
+            <a:r>
+              <a:rPr sz="3200" spc="-30" dirty="0">
+                <a:latin typeface="Courier New"/>
+                <a:cs typeface="Courier New"/>
+              </a:rPr>
+              <a:t>a:first-</a:t>
+            </a:r>
+            <a:r>
+              <a:rPr sz="3200" dirty="0">
+                <a:latin typeface="Courier New"/>
+                <a:cs typeface="Courier New"/>
+              </a:rPr>
+              <a:t>child</a:t>
+            </a:r>
+            <a:r>
+              <a:rPr sz="3200" spc="-55" dirty="0">
+                <a:latin typeface="Courier New"/>
+                <a:cs typeface="Courier New"/>
+              </a:rPr>
+              <a:t> </a:t>
+            </a:r>
+            <a:r>
+              <a:rPr sz="3200" spc="-50" dirty="0">
+                <a:latin typeface="Courier New"/>
+                <a:cs typeface="Courier New"/>
+              </a:rPr>
+              <a:t>{ </a:t>
+            </a:r>
+            <a:r>
+              <a:rPr sz="3200" spc="-30" dirty="0">
+                <a:latin typeface="Courier New"/>
+                <a:cs typeface="Courier New"/>
+              </a:rPr>
+              <a:t>margin-</a:t>
+            </a:r>
+            <a:r>
+              <a:rPr sz="3200" dirty="0">
+                <a:latin typeface="Courier New"/>
+                <a:cs typeface="Courier New"/>
+              </a:rPr>
+              <a:t>left:</a:t>
+            </a:r>
+            <a:r>
+              <a:rPr sz="3200" spc="-55" dirty="0">
+                <a:latin typeface="Courier New"/>
+                <a:cs typeface="Courier New"/>
+              </a:rPr>
+              <a:t> </a:t>
+            </a:r>
+            <a:r>
+              <a:rPr sz="3200" spc="-25" dirty="0">
+                <a:latin typeface="Courier New"/>
+                <a:cs typeface="Courier New"/>
+              </a:rPr>
+              <a:t>0;</a:t>
+            </a:r>
+            <a:endParaRPr sz="3200" dirty="0">
+              <a:latin typeface="Courier New"/>
+              <a:cs typeface="Courier New"/>
+            </a:endParaRPr>
+          </a:p>
+          <a:p>
+            <a:pPr marL="12700">
+              <a:lnSpc>
+                <a:spcPct val="100000"/>
+              </a:lnSpc>
+              <a:spcBef>
+                <a:spcPts val="1775"/>
+              </a:spcBef>
+            </a:pPr>
+            <a:r>
+              <a:rPr sz="3200" spc="-50" dirty="0">
+                <a:latin typeface="Courier New"/>
+                <a:cs typeface="Courier New"/>
+              </a:rPr>
+              <a:t>}</a:t>
+            </a:r>
+            <a:endParaRPr sz="3200" dirty="0">
+              <a:latin typeface="Courier New"/>
+              <a:cs typeface="Courier New"/>
+            </a:endParaRPr>
+          </a:p>
+          <a:p>
+            <a:pPr>
+              <a:lnSpc>
+                <a:spcPct val="100000"/>
+              </a:lnSpc>
+              <a:spcBef>
+                <a:spcPts val="1995"/>
+              </a:spcBef>
+            </a:pPr>
+            <a:endParaRPr sz="3200" dirty="0">
+              <a:latin typeface="Courier New"/>
+              <a:cs typeface="Courier New"/>
+            </a:endParaRPr>
+          </a:p>
+          <a:p>
+            <a:pPr marL="927100" marR="5080" indent="-915035">
+              <a:lnSpc>
+                <a:spcPct val="146200"/>
+              </a:lnSpc>
+            </a:pPr>
+            <a:r>
+              <a:rPr sz="3200" spc="-30" dirty="0">
+                <a:latin typeface="Courier New"/>
+                <a:cs typeface="Courier New"/>
+              </a:rPr>
+              <a:t>a:last-</a:t>
+            </a:r>
+            <a:r>
+              <a:rPr sz="3200" dirty="0">
+                <a:latin typeface="Courier New"/>
+                <a:cs typeface="Courier New"/>
+              </a:rPr>
+              <a:t>child</a:t>
+            </a:r>
+            <a:r>
+              <a:rPr sz="3200" spc="-55" dirty="0">
+                <a:latin typeface="Courier New"/>
+                <a:cs typeface="Courier New"/>
+              </a:rPr>
+              <a:t> </a:t>
+            </a:r>
+            <a:r>
+              <a:rPr sz="3200" spc="-50" dirty="0">
+                <a:latin typeface="Courier New"/>
+                <a:cs typeface="Courier New"/>
+              </a:rPr>
+              <a:t>{ </a:t>
+            </a:r>
+            <a:r>
+              <a:rPr sz="3200" spc="-30" dirty="0">
+                <a:latin typeface="Courier New"/>
+                <a:cs typeface="Courier New"/>
+              </a:rPr>
+              <a:t>margin-</a:t>
+            </a:r>
+            <a:r>
+              <a:rPr sz="3200" dirty="0">
+                <a:latin typeface="Courier New"/>
+                <a:cs typeface="Courier New"/>
+              </a:rPr>
+              <a:t>right:</a:t>
+            </a:r>
+            <a:r>
+              <a:rPr sz="3200" spc="-80" dirty="0">
+                <a:latin typeface="Courier New"/>
+                <a:cs typeface="Courier New"/>
+              </a:rPr>
+              <a:t> </a:t>
+            </a:r>
+            <a:r>
+              <a:rPr sz="3200" spc="-25" dirty="0">
+                <a:latin typeface="Courier New"/>
+                <a:cs typeface="Courier New"/>
+              </a:rPr>
+              <a:t>0;</a:t>
+            </a:r>
+            <a:endParaRPr sz="3200" dirty="0">
+              <a:latin typeface="Courier New"/>
+              <a:cs typeface="Courier New"/>
+            </a:endParaRPr>
+          </a:p>
+          <a:p>
+            <a:pPr marL="12700">
+              <a:lnSpc>
+                <a:spcPct val="100000"/>
+              </a:lnSpc>
+              <a:spcBef>
+                <a:spcPts val="1775"/>
+              </a:spcBef>
+            </a:pPr>
+            <a:r>
+              <a:rPr sz="3200" spc="-50" dirty="0">
+                <a:latin typeface="Courier New"/>
+                <a:cs typeface="Courier New"/>
+              </a:rPr>
+              <a:t>}</a:t>
+            </a:r>
+            <a:endParaRPr sz="3200" dirty="0">
+              <a:latin typeface="Courier New"/>
+              <a:cs typeface="Courier New"/>
+            </a:endParaRPr>
+          </a:p>
+        </p:txBody>
+      </p:sp>
+    </p:spTree>
+    <p:extLst>
+      <p:ext uri="{BB962C8B-B14F-4D97-AF65-F5344CB8AC3E}">
+        <p14:creationId xmlns:p14="http://schemas.microsoft.com/office/powerpoint/2010/main" val="681962747"/>
+      </p:ext>
+    </p:extLst>
+  </p:cSld>
+  <p:clrMapOvr>
+    <a:masterClrMapping/>
+  </p:clrMapOvr>
+</p:sld>
+</file>
+
+<file path=ppt/slides/slide66.xml><?xml version="1.0" encoding="utf-8"?>
+<p:sld xmlns:a="http://schemas.openxmlformats.org/drawingml/2006/main" xmlns:r="http://schemas.openxmlformats.org/officeDocument/2006/relationships" xmlns:p="http://schemas.openxmlformats.org/presentationml/2006/main">
+  <p:cSld>
+    <p:spTree>
+      <p:nvGrpSpPr>
+        <p:cNvPr id="1" name=""/>
+        <p:cNvGrpSpPr/>
+        <p:nvPr/>
+      </p:nvGrpSpPr>
+      <p:grpSpPr>
+        <a:xfrm>
+          <a:off x="0" y="0"/>
+          <a:ext cx="0" cy="0"/>
+          <a:chOff x="0" y="0"/>
+          <a:chExt cx="0" cy="0"/>
+        </a:xfrm>
+      </p:grpSpPr>
+      <p:sp>
+        <p:nvSpPr>
+          <p:cNvPr id="2" name="object 2"/>
+          <p:cNvSpPr txBox="1">
+            <a:spLocks noGrp="1"/>
+          </p:cNvSpPr>
+          <p:nvPr>
+            <p:ph type="title"/>
+          </p:nvPr>
+        </p:nvSpPr>
+        <p:spPr>
+          <a:xfrm>
+            <a:off x="602081" y="1702384"/>
+            <a:ext cx="8086090" cy="940435"/>
+          </a:xfrm>
+          <a:prstGeom prst="rect">
+            <a:avLst/>
+          </a:prstGeom>
+        </p:spPr>
+        <p:txBody>
+          <a:bodyPr vert="horz" wrap="square" lIns="0" tIns="12700" rIns="0" bIns="0" rtlCol="0">
+            <a:spAutoFit/>
+          </a:bodyPr>
+          <a:lstStyle/>
+          <a:p>
+            <a:pPr marL="12700">
+              <a:lnSpc>
+                <a:spcPct val="100000"/>
+              </a:lnSpc>
+              <a:spcBef>
+                <a:spcPts val="100"/>
+              </a:spcBef>
+            </a:pPr>
+            <a:r>
+              <a:rPr dirty="0"/>
+              <a:t>Псевдоклассы</a:t>
+            </a:r>
+            <a:r>
+              <a:rPr spc="-15" dirty="0"/>
+              <a:t> </a:t>
+            </a:r>
+            <a:r>
+              <a:rPr dirty="0"/>
+              <a:t>в</a:t>
+            </a:r>
+            <a:r>
+              <a:rPr spc="-10" dirty="0"/>
+              <a:t> </a:t>
+            </a:r>
+            <a:r>
+              <a:rPr spc="-25" dirty="0"/>
+              <a:t>CSS</a:t>
+            </a:r>
+          </a:p>
+        </p:txBody>
+      </p:sp>
+      <p:pic>
+        <p:nvPicPr>
+          <p:cNvPr id="3" name="object 3"/>
+          <p:cNvPicPr/>
+          <p:nvPr/>
+        </p:nvPicPr>
+        <p:blipFill>
+          <a:blip r:embed="rId2" cstate="print"/>
+          <a:stretch>
+            <a:fillRect/>
+          </a:stretch>
+        </p:blipFill>
+        <p:spPr>
+          <a:xfrm>
+            <a:off x="574548" y="370331"/>
+            <a:ext cx="1659636" cy="726948"/>
+          </a:xfrm>
+          <a:prstGeom prst="rect">
+            <a:avLst/>
+          </a:prstGeom>
+        </p:spPr>
+      </p:pic>
+      <p:sp>
+        <p:nvSpPr>
+          <p:cNvPr id="4" name="object 4"/>
+          <p:cNvSpPr txBox="1"/>
+          <p:nvPr/>
+        </p:nvSpPr>
+        <p:spPr>
+          <a:xfrm>
+            <a:off x="693521" y="3343147"/>
+            <a:ext cx="5825490" cy="3082290"/>
+          </a:xfrm>
+          <a:prstGeom prst="rect">
+            <a:avLst/>
+          </a:prstGeom>
+        </p:spPr>
+        <p:txBody>
+          <a:bodyPr vert="horz" wrap="square" lIns="0" tIns="12700" rIns="0" bIns="0" rtlCol="0">
+            <a:spAutoFit/>
+          </a:bodyPr>
+          <a:lstStyle/>
+          <a:p>
+            <a:pPr marL="12700">
+              <a:lnSpc>
+                <a:spcPct val="100000"/>
+              </a:lnSpc>
+              <a:spcBef>
+                <a:spcPts val="100"/>
+              </a:spcBef>
+            </a:pPr>
+            <a:r>
+              <a:rPr sz="2400" b="1" spc="-10" dirty="0">
+                <a:latin typeface="Arial"/>
+                <a:cs typeface="Arial"/>
+              </a:rPr>
+              <a:t>Пример:</a:t>
+            </a:r>
+            <a:endParaRPr sz="2400" dirty="0">
+              <a:latin typeface="Arial"/>
+              <a:cs typeface="Arial"/>
+            </a:endParaRPr>
+          </a:p>
+          <a:p>
+            <a:pPr>
+              <a:lnSpc>
+                <a:spcPct val="100000"/>
+              </a:lnSpc>
+              <a:spcBef>
+                <a:spcPts val="1570"/>
+              </a:spcBef>
+            </a:pPr>
+            <a:endParaRPr sz="2400" dirty="0">
+              <a:latin typeface="Arial"/>
+              <a:cs typeface="Arial"/>
+            </a:endParaRPr>
+          </a:p>
+          <a:p>
+            <a:pPr marL="927100" marR="5080" indent="-915035">
+              <a:lnSpc>
+                <a:spcPct val="146300"/>
+              </a:lnSpc>
+              <a:spcBef>
+                <a:spcPts val="5"/>
+              </a:spcBef>
+            </a:pPr>
+            <a:r>
+              <a:rPr sz="3200" spc="-30" dirty="0">
+                <a:latin typeface="Courier New"/>
+                <a:cs typeface="Courier New"/>
+              </a:rPr>
+              <a:t>li:not(:last-</a:t>
+            </a:r>
+            <a:r>
+              <a:rPr sz="3200" dirty="0">
+                <a:latin typeface="Courier New"/>
+                <a:cs typeface="Courier New"/>
+              </a:rPr>
+              <a:t>child)</a:t>
+            </a:r>
+            <a:r>
+              <a:rPr sz="3200" spc="-35" dirty="0">
+                <a:latin typeface="Courier New"/>
+                <a:cs typeface="Courier New"/>
+              </a:rPr>
+              <a:t> </a:t>
+            </a:r>
+            <a:r>
+              <a:rPr sz="3200" spc="-50" dirty="0">
+                <a:latin typeface="Courier New"/>
+                <a:cs typeface="Courier New"/>
+              </a:rPr>
+              <a:t>{ </a:t>
+            </a:r>
+            <a:r>
+              <a:rPr sz="3200" spc="-30" dirty="0">
+                <a:latin typeface="Courier New"/>
+                <a:cs typeface="Courier New"/>
+              </a:rPr>
+              <a:t>margin-</a:t>
+            </a:r>
+            <a:r>
+              <a:rPr sz="3200" dirty="0">
+                <a:latin typeface="Courier New"/>
+                <a:cs typeface="Courier New"/>
+              </a:rPr>
+              <a:t>bottom:</a:t>
+            </a:r>
+            <a:r>
+              <a:rPr sz="3200" spc="-100" dirty="0">
+                <a:latin typeface="Courier New"/>
+                <a:cs typeface="Courier New"/>
+              </a:rPr>
+              <a:t> </a:t>
+            </a:r>
+            <a:r>
+              <a:rPr sz="3200" spc="-10" dirty="0">
+                <a:latin typeface="Courier New"/>
+                <a:cs typeface="Courier New"/>
+              </a:rPr>
+              <a:t>10px;</a:t>
+            </a:r>
+            <a:endParaRPr sz="3200" dirty="0">
+              <a:latin typeface="Courier New"/>
+              <a:cs typeface="Courier New"/>
+            </a:endParaRPr>
+          </a:p>
+          <a:p>
+            <a:pPr marL="12700">
+              <a:lnSpc>
+                <a:spcPct val="100000"/>
+              </a:lnSpc>
+              <a:spcBef>
+                <a:spcPts val="1775"/>
+              </a:spcBef>
+            </a:pPr>
+            <a:r>
+              <a:rPr sz="3200" spc="-50" dirty="0">
+                <a:latin typeface="Courier New"/>
+                <a:cs typeface="Courier New"/>
+              </a:rPr>
+              <a:t>}</a:t>
+            </a:r>
+            <a:endParaRPr sz="3200" dirty="0">
+              <a:latin typeface="Courier New"/>
+              <a:cs typeface="Courier New"/>
+            </a:endParaRPr>
+          </a:p>
+        </p:txBody>
+      </p:sp>
+    </p:spTree>
+    <p:extLst>
+      <p:ext uri="{BB962C8B-B14F-4D97-AF65-F5344CB8AC3E}">
+        <p14:creationId xmlns:p14="http://schemas.microsoft.com/office/powerpoint/2010/main" val="3332308833"/>
+      </p:ext>
+    </p:extLst>
+  </p:cSld>
+  <p:clrMapOvr>
+    <a:masterClrMapping/>
+  </p:clrMapOvr>
+</p:sld>
+</file>
+
+<file path=ppt/slides/slide67.xml><?xml version="1.0" encoding="utf-8"?>
+<p:sld xmlns:a="http://schemas.openxmlformats.org/drawingml/2006/main" xmlns:r="http://schemas.openxmlformats.org/officeDocument/2006/relationships" xmlns:p="http://schemas.openxmlformats.org/presentationml/2006/main">
+  <p:cSld>
+    <p:spTree>
+      <p:nvGrpSpPr>
+        <p:cNvPr id="1" name=""/>
+        <p:cNvGrpSpPr/>
+        <p:nvPr/>
+      </p:nvGrpSpPr>
+      <p:grpSpPr>
+        <a:xfrm>
+          <a:off x="0" y="0"/>
+          <a:ext cx="0" cy="0"/>
+          <a:chOff x="0" y="0"/>
+          <a:chExt cx="0" cy="0"/>
+        </a:xfrm>
+      </p:grpSpPr>
+      <p:sp>
+        <p:nvSpPr>
+          <p:cNvPr id="2" name="object 2"/>
           <p:cNvSpPr/>
           <p:nvPr/>
         </p:nvSpPr>
@@ -28869,1064 +29478,6 @@
 </p:sld>
 </file>
 
-<file path=ppt/slides/slide66.xml><?xml version="1.0" encoding="utf-8"?>
-<p:sld xmlns:a="http://schemas.openxmlformats.org/drawingml/2006/main" xmlns:r="http://schemas.openxmlformats.org/officeDocument/2006/relationships" xmlns:p="http://schemas.openxmlformats.org/presentationml/2006/main">
-  <p:cSld>
-    <p:spTree>
-      <p:nvGrpSpPr>
-        <p:cNvPr id="1" name=""/>
-        <p:cNvGrpSpPr/>
-        <p:nvPr/>
-      </p:nvGrpSpPr>
-      <p:grpSpPr>
-        <a:xfrm>
-          <a:off x="0" y="0"/>
-          <a:ext cx="0" cy="0"/>
-          <a:chOff x="0" y="0"/>
-          <a:chExt cx="0" cy="0"/>
-        </a:xfrm>
-      </p:grpSpPr>
-      <p:sp>
-        <p:nvSpPr>
-          <p:cNvPr id="2" name="object 2"/>
-          <p:cNvSpPr txBox="1">
-            <a:spLocks noGrp="1"/>
-          </p:cNvSpPr>
-          <p:nvPr>
-            <p:ph type="title"/>
-          </p:nvPr>
-        </p:nvSpPr>
-        <p:spPr>
-          <a:prstGeom prst="rect">
-            <a:avLst/>
-          </a:prstGeom>
-        </p:spPr>
-        <p:txBody>
-          <a:bodyPr vert="horz" wrap="square" lIns="0" tIns="12700" rIns="0" bIns="0" rtlCol="0">
-            <a:spAutoFit/>
-          </a:bodyPr>
-          <a:lstStyle/>
-          <a:p>
-            <a:pPr marL="12700">
-              <a:lnSpc>
-                <a:spcPct val="100000"/>
-              </a:lnSpc>
-              <a:spcBef>
-                <a:spcPts val="100"/>
-              </a:spcBef>
-            </a:pPr>
-            <a:r>
-              <a:rPr dirty="0"/>
-              <a:t>Поток</a:t>
-            </a:r>
-            <a:r>
-              <a:rPr spc="-30" dirty="0"/>
-              <a:t> </a:t>
-            </a:r>
-            <a:r>
-              <a:rPr spc="-10" dirty="0"/>
-              <a:t>документа</a:t>
-            </a:r>
-          </a:p>
-        </p:txBody>
-      </p:sp>
-      <p:pic>
-        <p:nvPicPr>
-          <p:cNvPr id="3" name="object 3"/>
-          <p:cNvPicPr/>
-          <p:nvPr/>
-        </p:nvPicPr>
-        <p:blipFill>
-          <a:blip r:embed="rId2" cstate="print"/>
-          <a:stretch>
-            <a:fillRect/>
-          </a:stretch>
-        </p:blipFill>
-        <p:spPr>
-          <a:xfrm>
-            <a:off x="574548" y="370331"/>
-            <a:ext cx="1659636" cy="726948"/>
-          </a:xfrm>
-          <a:prstGeom prst="rect">
-            <a:avLst/>
-          </a:prstGeom>
-        </p:spPr>
-      </p:pic>
-      <p:sp>
-        <p:nvSpPr>
-          <p:cNvPr id="4" name="object 4"/>
-          <p:cNvSpPr txBox="1"/>
-          <p:nvPr/>
-        </p:nvSpPr>
-        <p:spPr>
-          <a:xfrm>
-            <a:off x="602081" y="3662553"/>
-            <a:ext cx="7979409" cy="1038225"/>
-          </a:xfrm>
-          <a:prstGeom prst="rect">
-            <a:avLst/>
-          </a:prstGeom>
-        </p:spPr>
-        <p:txBody>
-          <a:bodyPr vert="horz" wrap="square" lIns="0" tIns="12700" rIns="0" bIns="0" rtlCol="0">
-            <a:spAutoFit/>
-          </a:bodyPr>
-          <a:lstStyle/>
-          <a:p>
-            <a:pPr marL="12700">
-              <a:lnSpc>
-                <a:spcPct val="100000"/>
-              </a:lnSpc>
-              <a:spcBef>
-                <a:spcPts val="100"/>
-              </a:spcBef>
-            </a:pPr>
-            <a:r>
-              <a:rPr sz="2400" b="1" dirty="0">
-                <a:latin typeface="Arial"/>
-                <a:cs typeface="Arial"/>
-              </a:rPr>
-              <a:t>Поток</a:t>
-            </a:r>
-            <a:r>
-              <a:rPr sz="2400" b="1" spc="-20" dirty="0">
-                <a:latin typeface="Arial"/>
-                <a:cs typeface="Arial"/>
-              </a:rPr>
-              <a:t> </a:t>
-            </a:r>
-            <a:r>
-              <a:rPr sz="2400" b="1" dirty="0">
-                <a:latin typeface="Arial"/>
-                <a:cs typeface="Arial"/>
-              </a:rPr>
-              <a:t>—</a:t>
-            </a:r>
-            <a:r>
-              <a:rPr sz="2400" b="1" spc="-45" dirty="0">
-                <a:latin typeface="Arial"/>
-                <a:cs typeface="Arial"/>
-              </a:rPr>
-              <a:t> </a:t>
-            </a:r>
-            <a:r>
-              <a:rPr sz="2400" b="1" dirty="0">
-                <a:latin typeface="Arial"/>
-                <a:cs typeface="Arial"/>
-              </a:rPr>
-              <a:t>порядок</a:t>
-            </a:r>
-            <a:r>
-              <a:rPr sz="2400" b="1" spc="-50" dirty="0">
-                <a:latin typeface="Arial"/>
-                <a:cs typeface="Arial"/>
-              </a:rPr>
-              <a:t> </a:t>
-            </a:r>
-            <a:r>
-              <a:rPr sz="2400" b="1" dirty="0">
-                <a:latin typeface="Arial"/>
-                <a:cs typeface="Arial"/>
-              </a:rPr>
-              <a:t>вывода</a:t>
-            </a:r>
-            <a:r>
-              <a:rPr sz="2400" b="1" spc="-35" dirty="0">
-                <a:latin typeface="Arial"/>
-                <a:cs typeface="Arial"/>
-              </a:rPr>
-              <a:t> </a:t>
-            </a:r>
-            <a:r>
-              <a:rPr sz="2400" b="1" dirty="0">
-                <a:latin typeface="Arial"/>
-                <a:cs typeface="Arial"/>
-              </a:rPr>
-              <a:t>объектов</a:t>
-            </a:r>
-            <a:r>
-              <a:rPr sz="2400" b="1" spc="-25" dirty="0">
-                <a:latin typeface="Arial"/>
-                <a:cs typeface="Arial"/>
-              </a:rPr>
-              <a:t> </a:t>
-            </a:r>
-            <a:r>
-              <a:rPr sz="2400" b="1" dirty="0">
-                <a:latin typeface="Arial"/>
-                <a:cs typeface="Arial"/>
-              </a:rPr>
-              <a:t>в</a:t>
-            </a:r>
-            <a:r>
-              <a:rPr sz="2400" b="1" spc="-40" dirty="0">
-                <a:latin typeface="Arial"/>
-                <a:cs typeface="Arial"/>
-              </a:rPr>
-              <a:t> </a:t>
-            </a:r>
-            <a:r>
-              <a:rPr sz="2400" b="1" spc="-10" dirty="0">
-                <a:latin typeface="Arial"/>
-                <a:cs typeface="Arial"/>
-              </a:rPr>
-              <a:t>документе.</a:t>
-            </a:r>
-            <a:endParaRPr sz="2400">
-              <a:latin typeface="Arial"/>
-              <a:cs typeface="Arial"/>
-            </a:endParaRPr>
-          </a:p>
-          <a:p>
-            <a:pPr marL="12700">
-              <a:lnSpc>
-                <a:spcPct val="100000"/>
-              </a:lnSpc>
-              <a:spcBef>
-                <a:spcPts val="2210"/>
-              </a:spcBef>
-            </a:pPr>
-            <a:r>
-              <a:rPr sz="2400" dirty="0">
-                <a:latin typeface="Microsoft Sans Serif"/>
-                <a:cs typeface="Microsoft Sans Serif"/>
-              </a:rPr>
-              <a:t>В</a:t>
-            </a:r>
-            <a:r>
-              <a:rPr sz="2400" spc="-40" dirty="0">
-                <a:latin typeface="Microsoft Sans Serif"/>
-                <a:cs typeface="Microsoft Sans Serif"/>
-              </a:rPr>
-              <a:t> </a:t>
-            </a:r>
-            <a:r>
-              <a:rPr sz="2400" spc="-10" dirty="0">
-                <a:latin typeface="Microsoft Sans Serif"/>
-                <a:cs typeface="Microsoft Sans Serif"/>
-              </a:rPr>
-              <a:t>вёрстке</a:t>
-            </a:r>
-            <a:r>
-              <a:rPr sz="2400" spc="-40" dirty="0">
-                <a:latin typeface="Microsoft Sans Serif"/>
-                <a:cs typeface="Microsoft Sans Serif"/>
-              </a:rPr>
-              <a:t> </a:t>
-            </a:r>
-            <a:r>
-              <a:rPr sz="2400" dirty="0">
-                <a:latin typeface="Microsoft Sans Serif"/>
-                <a:cs typeface="Microsoft Sans Serif"/>
-              </a:rPr>
-              <a:t>этот</a:t>
-            </a:r>
-            <a:r>
-              <a:rPr sz="2400" spc="-40" dirty="0">
-                <a:latin typeface="Microsoft Sans Serif"/>
-                <a:cs typeface="Microsoft Sans Serif"/>
-              </a:rPr>
-              <a:t> </a:t>
-            </a:r>
-            <a:r>
-              <a:rPr sz="2400" spc="-20" dirty="0">
-                <a:latin typeface="Microsoft Sans Serif"/>
-                <a:cs typeface="Microsoft Sans Serif"/>
-              </a:rPr>
-              <a:t>поток</a:t>
-            </a:r>
-            <a:r>
-              <a:rPr sz="2400" spc="-30" dirty="0">
-                <a:latin typeface="Microsoft Sans Serif"/>
-                <a:cs typeface="Microsoft Sans Serif"/>
-              </a:rPr>
-              <a:t> </a:t>
-            </a:r>
-            <a:r>
-              <a:rPr sz="2400" dirty="0">
-                <a:latin typeface="Microsoft Sans Serif"/>
-                <a:cs typeface="Microsoft Sans Serif"/>
-              </a:rPr>
-              <a:t>идёт</a:t>
-            </a:r>
-            <a:r>
-              <a:rPr sz="2400" spc="-35" dirty="0">
-                <a:latin typeface="Microsoft Sans Serif"/>
-                <a:cs typeface="Microsoft Sans Serif"/>
-              </a:rPr>
-              <a:t> </a:t>
-            </a:r>
-            <a:r>
-              <a:rPr sz="2400" dirty="0">
-                <a:latin typeface="Microsoft Sans Serif"/>
-                <a:cs typeface="Microsoft Sans Serif"/>
-              </a:rPr>
-              <a:t>сверху</a:t>
-            </a:r>
-            <a:r>
-              <a:rPr sz="2400" spc="-25" dirty="0">
-                <a:latin typeface="Microsoft Sans Serif"/>
-                <a:cs typeface="Microsoft Sans Serif"/>
-              </a:rPr>
-              <a:t> </a:t>
-            </a:r>
-            <a:r>
-              <a:rPr sz="2400" dirty="0">
-                <a:latin typeface="Microsoft Sans Serif"/>
-                <a:cs typeface="Microsoft Sans Serif"/>
-              </a:rPr>
-              <a:t>вниз</a:t>
-            </a:r>
-            <a:r>
-              <a:rPr sz="2400" spc="-35" dirty="0">
-                <a:latin typeface="Microsoft Sans Serif"/>
-                <a:cs typeface="Microsoft Sans Serif"/>
-              </a:rPr>
-              <a:t> </a:t>
-            </a:r>
-            <a:r>
-              <a:rPr sz="2400" dirty="0">
-                <a:latin typeface="Microsoft Sans Serif"/>
-                <a:cs typeface="Microsoft Sans Serif"/>
-              </a:rPr>
-              <a:t>и</a:t>
-            </a:r>
-            <a:r>
-              <a:rPr sz="2400" spc="-45" dirty="0">
-                <a:latin typeface="Microsoft Sans Serif"/>
-                <a:cs typeface="Microsoft Sans Serif"/>
-              </a:rPr>
-              <a:t> </a:t>
-            </a:r>
-            <a:r>
-              <a:rPr sz="2400" dirty="0">
-                <a:latin typeface="Microsoft Sans Serif"/>
-                <a:cs typeface="Microsoft Sans Serif"/>
-              </a:rPr>
-              <a:t>слева</a:t>
-            </a:r>
-            <a:r>
-              <a:rPr sz="2400" spc="-40" dirty="0">
-                <a:latin typeface="Microsoft Sans Serif"/>
-                <a:cs typeface="Microsoft Sans Serif"/>
-              </a:rPr>
-              <a:t> </a:t>
-            </a:r>
-            <a:r>
-              <a:rPr sz="2400" spc="-10" dirty="0">
-                <a:latin typeface="Microsoft Sans Serif"/>
-                <a:cs typeface="Microsoft Sans Serif"/>
-              </a:rPr>
-              <a:t>направо.</a:t>
-            </a:r>
-            <a:endParaRPr sz="2400">
-              <a:latin typeface="Microsoft Sans Serif"/>
-              <a:cs typeface="Microsoft Sans Serif"/>
-            </a:endParaRPr>
-          </a:p>
-        </p:txBody>
-      </p:sp>
-    </p:spTree>
-    <p:extLst>
-      <p:ext uri="{BB962C8B-B14F-4D97-AF65-F5344CB8AC3E}">
-        <p14:creationId xmlns:p14="http://schemas.microsoft.com/office/powerpoint/2010/main" val="1247790837"/>
-      </p:ext>
-    </p:extLst>
-  </p:cSld>
-  <p:clrMapOvr>
-    <a:masterClrMapping/>
-  </p:clrMapOvr>
-</p:sld>
-</file>
-
-<file path=ppt/slides/slide67.xml><?xml version="1.0" encoding="utf-8"?>
-<p:sld xmlns:a="http://schemas.openxmlformats.org/drawingml/2006/main" xmlns:r="http://schemas.openxmlformats.org/officeDocument/2006/relationships" xmlns:p="http://schemas.openxmlformats.org/presentationml/2006/main">
-  <p:cSld>
-    <p:spTree>
-      <p:nvGrpSpPr>
-        <p:cNvPr id="1" name=""/>
-        <p:cNvGrpSpPr/>
-        <p:nvPr/>
-      </p:nvGrpSpPr>
-      <p:grpSpPr>
-        <a:xfrm>
-          <a:off x="0" y="0"/>
-          <a:ext cx="0" cy="0"/>
-          <a:chOff x="0" y="0"/>
-          <a:chExt cx="0" cy="0"/>
-        </a:xfrm>
-      </p:grpSpPr>
-      <p:sp>
-        <p:nvSpPr>
-          <p:cNvPr id="2" name="object 2"/>
-          <p:cNvSpPr txBox="1">
-            <a:spLocks noGrp="1"/>
-          </p:cNvSpPr>
-          <p:nvPr>
-            <p:ph type="title"/>
-          </p:nvPr>
-        </p:nvSpPr>
-        <p:spPr>
-          <a:xfrm>
-            <a:off x="602081" y="1702384"/>
-            <a:ext cx="9494419" cy="1784463"/>
-          </a:xfrm>
-          <a:prstGeom prst="rect">
-            <a:avLst/>
-          </a:prstGeom>
-        </p:spPr>
-        <p:txBody>
-          <a:bodyPr vert="horz" wrap="square" lIns="0" tIns="116205" rIns="0" bIns="0" rtlCol="0">
-            <a:spAutoFit/>
-          </a:bodyPr>
-          <a:lstStyle/>
-          <a:p>
-            <a:pPr marL="12700" marR="5080">
-              <a:lnSpc>
-                <a:spcPts val="6480"/>
-              </a:lnSpc>
-              <a:spcBef>
-                <a:spcPts val="915"/>
-              </a:spcBef>
-            </a:pPr>
-            <a:r>
-              <a:rPr dirty="0"/>
-              <a:t>Принципы</a:t>
-            </a:r>
-            <a:r>
-              <a:rPr spc="-30" dirty="0"/>
-              <a:t> </a:t>
-            </a:r>
-            <a:r>
-              <a:rPr spc="-10" dirty="0"/>
-              <a:t>организации отступов</a:t>
-            </a:r>
-          </a:p>
-        </p:txBody>
-      </p:sp>
-      <p:pic>
-        <p:nvPicPr>
-          <p:cNvPr id="3" name="object 3"/>
-          <p:cNvPicPr/>
-          <p:nvPr/>
-        </p:nvPicPr>
-        <p:blipFill>
-          <a:blip r:embed="rId2" cstate="print"/>
-          <a:stretch>
-            <a:fillRect/>
-          </a:stretch>
-        </p:blipFill>
-        <p:spPr>
-          <a:xfrm>
-            <a:off x="574548" y="370331"/>
-            <a:ext cx="1659636" cy="726948"/>
-          </a:xfrm>
-          <a:prstGeom prst="rect">
-            <a:avLst/>
-          </a:prstGeom>
-        </p:spPr>
-      </p:pic>
-      <p:sp>
-        <p:nvSpPr>
-          <p:cNvPr id="4" name="object 4"/>
-          <p:cNvSpPr txBox="1">
-            <a:spLocks noGrp="1"/>
-          </p:cNvSpPr>
-          <p:nvPr>
-            <p:ph type="body" idx="1"/>
-          </p:nvPr>
-        </p:nvSpPr>
-        <p:spPr>
-          <a:prstGeom prst="rect">
-            <a:avLst/>
-          </a:prstGeom>
-        </p:spPr>
-        <p:txBody>
-          <a:bodyPr vert="horz" wrap="square" lIns="0" tIns="48895" rIns="0" bIns="0" rtlCol="0">
-            <a:spAutoFit/>
-          </a:bodyPr>
-          <a:lstStyle/>
-          <a:p>
-            <a:pPr marL="12700">
-              <a:lnSpc>
-                <a:spcPct val="100000"/>
-              </a:lnSpc>
-              <a:spcBef>
-                <a:spcPts val="385"/>
-              </a:spcBef>
-            </a:pPr>
-            <a:r>
-              <a:rPr dirty="0"/>
-              <a:t>Отступы</a:t>
-            </a:r>
-            <a:r>
-              <a:rPr spc="-85" dirty="0"/>
-              <a:t> </a:t>
-            </a:r>
-            <a:r>
-              <a:rPr spc="-10" dirty="0"/>
-              <a:t>задаются</a:t>
-            </a:r>
-          </a:p>
-          <a:p>
-            <a:pPr marL="12700">
-              <a:lnSpc>
-                <a:spcPct val="100000"/>
-              </a:lnSpc>
-              <a:spcBef>
-                <a:spcPts val="290"/>
-              </a:spcBef>
-            </a:pPr>
-            <a:r>
-              <a:rPr dirty="0"/>
-              <a:t>от</a:t>
-            </a:r>
-            <a:r>
-              <a:rPr spc="-95" dirty="0"/>
-              <a:t> </a:t>
-            </a:r>
-            <a:r>
-              <a:rPr dirty="0"/>
-              <a:t>предыдущего</a:t>
-            </a:r>
-            <a:r>
-              <a:rPr spc="-65" dirty="0"/>
-              <a:t> </a:t>
-            </a:r>
-            <a:r>
-              <a:rPr dirty="0"/>
-              <a:t>элемента</a:t>
-            </a:r>
-            <a:r>
-              <a:rPr spc="-50" dirty="0"/>
-              <a:t> </a:t>
-            </a:r>
-            <a:r>
-              <a:rPr dirty="0"/>
-              <a:t>к</a:t>
-            </a:r>
-            <a:r>
-              <a:rPr spc="-85" dirty="0"/>
-              <a:t> </a:t>
-            </a:r>
-            <a:r>
-              <a:rPr spc="-10" dirty="0"/>
-              <a:t>следующему</a:t>
-            </a:r>
-          </a:p>
-          <a:p>
-            <a:pPr marL="12700">
-              <a:lnSpc>
-                <a:spcPct val="100000"/>
-              </a:lnSpc>
-              <a:spcBef>
-                <a:spcPts val="285"/>
-              </a:spcBef>
-            </a:pPr>
-            <a:r>
-              <a:rPr sz="2100" b="0" dirty="0">
-                <a:latin typeface="Microsoft Sans Serif"/>
-                <a:cs typeface="Microsoft Sans Serif"/>
-              </a:rPr>
-              <a:t>Нужно</a:t>
-            </a:r>
-            <a:r>
-              <a:rPr sz="2100" b="0" spc="-45" dirty="0">
-                <a:latin typeface="Microsoft Sans Serif"/>
-                <a:cs typeface="Microsoft Sans Serif"/>
-              </a:rPr>
-              <a:t> </a:t>
-            </a:r>
-            <a:r>
-              <a:rPr sz="2100" b="0" dirty="0">
-                <a:latin typeface="Microsoft Sans Serif"/>
-                <a:cs typeface="Microsoft Sans Serif"/>
-              </a:rPr>
-              <a:t>стремиться</a:t>
-            </a:r>
-            <a:r>
-              <a:rPr sz="2100" b="0" spc="-40" dirty="0">
-                <a:latin typeface="Microsoft Sans Serif"/>
-                <a:cs typeface="Microsoft Sans Serif"/>
-              </a:rPr>
-              <a:t> </a:t>
-            </a:r>
-            <a:r>
-              <a:rPr sz="2100" b="0" spc="-10" dirty="0">
-                <a:latin typeface="Microsoft Sans Serif"/>
-                <a:cs typeface="Microsoft Sans Serif"/>
-              </a:rPr>
-              <a:t>использовать</a:t>
-            </a:r>
-            <a:r>
-              <a:rPr sz="2100" b="0" spc="-40" dirty="0">
-                <a:latin typeface="Microsoft Sans Serif"/>
-                <a:cs typeface="Microsoft Sans Serif"/>
-              </a:rPr>
-              <a:t> </a:t>
-            </a:r>
-            <a:r>
-              <a:rPr sz="2100" b="0" spc="-10" dirty="0">
-                <a:latin typeface="Microsoft Sans Serif"/>
-                <a:cs typeface="Microsoft Sans Serif"/>
-              </a:rPr>
-              <a:t>margin</a:t>
-            </a:r>
-            <a:r>
-              <a:rPr sz="2100" b="0" spc="-10" dirty="0">
-                <a:latin typeface="Arial MT"/>
-                <a:cs typeface="Arial MT"/>
-              </a:rPr>
-              <a:t>-</a:t>
-            </a:r>
-            <a:r>
-              <a:rPr sz="2100" b="0" dirty="0">
-                <a:latin typeface="Microsoft Sans Serif"/>
-                <a:cs typeface="Microsoft Sans Serif"/>
-              </a:rPr>
-              <a:t>right</a:t>
-            </a:r>
-            <a:r>
-              <a:rPr sz="2100" b="0" spc="-40" dirty="0">
-                <a:latin typeface="Microsoft Sans Serif"/>
-                <a:cs typeface="Microsoft Sans Serif"/>
-              </a:rPr>
-              <a:t> </a:t>
-            </a:r>
-            <a:r>
-              <a:rPr sz="2100" b="0" dirty="0">
-                <a:latin typeface="Microsoft Sans Serif"/>
-                <a:cs typeface="Microsoft Sans Serif"/>
-              </a:rPr>
-              <a:t>и</a:t>
-            </a:r>
-            <a:r>
-              <a:rPr sz="2100" b="0" spc="-45" dirty="0">
-                <a:latin typeface="Microsoft Sans Serif"/>
-                <a:cs typeface="Microsoft Sans Serif"/>
-              </a:rPr>
-              <a:t> </a:t>
-            </a:r>
-            <a:r>
-              <a:rPr sz="2100" b="0" spc="-10" dirty="0">
-                <a:latin typeface="Microsoft Sans Serif"/>
-                <a:cs typeface="Microsoft Sans Serif"/>
-              </a:rPr>
-              <a:t>margin</a:t>
-            </a:r>
-            <a:r>
-              <a:rPr sz="2100" b="0" spc="-10" dirty="0">
-                <a:latin typeface="Arial MT"/>
-                <a:cs typeface="Arial MT"/>
-              </a:rPr>
-              <a:t>-bottom</a:t>
-            </a:r>
-            <a:endParaRPr sz="2100">
-              <a:latin typeface="Arial MT"/>
-              <a:cs typeface="Arial MT"/>
-            </a:endParaRPr>
-          </a:p>
-          <a:p>
-            <a:pPr>
-              <a:lnSpc>
-                <a:spcPct val="100000"/>
-              </a:lnSpc>
-              <a:spcBef>
-                <a:spcPts val="865"/>
-              </a:spcBef>
-            </a:pPr>
-            <a:endParaRPr sz="2100">
-              <a:latin typeface="Arial MT"/>
-              <a:cs typeface="Arial MT"/>
-            </a:endParaRPr>
-          </a:p>
-          <a:p>
-            <a:pPr marL="31115">
-              <a:lnSpc>
-                <a:spcPct val="100000"/>
-              </a:lnSpc>
-            </a:pPr>
-            <a:r>
-              <a:rPr dirty="0"/>
-              <a:t>Отступы</a:t>
-            </a:r>
-            <a:r>
-              <a:rPr spc="-85" dirty="0"/>
-              <a:t> </a:t>
-            </a:r>
-            <a:r>
-              <a:rPr spc="-10" dirty="0"/>
-              <a:t>задаются</a:t>
-            </a:r>
-          </a:p>
-          <a:p>
-            <a:pPr marL="31115">
-              <a:lnSpc>
-                <a:spcPct val="100000"/>
-              </a:lnSpc>
-              <a:spcBef>
-                <a:spcPts val="285"/>
-              </a:spcBef>
-            </a:pPr>
-            <a:r>
-              <a:rPr dirty="0"/>
-              <a:t>только</a:t>
-            </a:r>
-            <a:r>
-              <a:rPr spc="-85" dirty="0"/>
-              <a:t> </a:t>
-            </a:r>
-            <a:r>
-              <a:rPr dirty="0"/>
-              <a:t>между</a:t>
-            </a:r>
-            <a:r>
-              <a:rPr spc="-85" dirty="0"/>
-              <a:t> </a:t>
-            </a:r>
-            <a:r>
-              <a:rPr dirty="0"/>
-              <a:t>соседними</a:t>
-            </a:r>
-            <a:r>
-              <a:rPr spc="-90" dirty="0"/>
-              <a:t> </a:t>
-            </a:r>
-            <a:r>
-              <a:rPr dirty="0"/>
-              <a:t>элементами</a:t>
-            </a:r>
-            <a:r>
-              <a:rPr spc="-65" dirty="0"/>
-              <a:t> </a:t>
-            </a:r>
-            <a:r>
-              <a:rPr dirty="0"/>
-              <a:t>в</a:t>
-            </a:r>
-            <a:r>
-              <a:rPr spc="-90" dirty="0"/>
-              <a:t> </a:t>
-            </a:r>
-            <a:r>
-              <a:rPr spc="-10" dirty="0"/>
-              <a:t>потоке</a:t>
-            </a:r>
-          </a:p>
-          <a:p>
-            <a:pPr marL="31115">
-              <a:lnSpc>
-                <a:spcPct val="100000"/>
-              </a:lnSpc>
-              <a:spcBef>
-                <a:spcPts val="290"/>
-              </a:spcBef>
-            </a:pPr>
-            <a:r>
-              <a:rPr sz="2100" b="0" dirty="0">
-                <a:latin typeface="Microsoft Sans Serif"/>
-                <a:cs typeface="Microsoft Sans Serif"/>
-              </a:rPr>
-              <a:t>Отступы</a:t>
-            </a:r>
-            <a:r>
-              <a:rPr sz="2100" b="0" spc="-40" dirty="0">
-                <a:latin typeface="Microsoft Sans Serif"/>
-                <a:cs typeface="Microsoft Sans Serif"/>
-              </a:rPr>
-              <a:t> </a:t>
-            </a:r>
-            <a:r>
-              <a:rPr sz="2100" b="0" dirty="0">
-                <a:latin typeface="Microsoft Sans Serif"/>
-                <a:cs typeface="Microsoft Sans Serif"/>
-              </a:rPr>
-              <a:t>по</a:t>
-            </a:r>
-            <a:r>
-              <a:rPr sz="2100" b="0" spc="-60" dirty="0">
-                <a:latin typeface="Microsoft Sans Serif"/>
-                <a:cs typeface="Microsoft Sans Serif"/>
-              </a:rPr>
-              <a:t> </a:t>
-            </a:r>
-            <a:r>
-              <a:rPr sz="2100" b="0" spc="-10" dirty="0">
-                <a:latin typeface="Microsoft Sans Serif"/>
-                <a:cs typeface="Microsoft Sans Serif"/>
-              </a:rPr>
-              <a:t>краям</a:t>
-            </a:r>
-            <a:r>
-              <a:rPr sz="2100" b="0" spc="-40" dirty="0">
-                <a:latin typeface="Microsoft Sans Serif"/>
-                <a:cs typeface="Microsoft Sans Serif"/>
-              </a:rPr>
-              <a:t> </a:t>
-            </a:r>
-            <a:r>
-              <a:rPr sz="2100" b="0" dirty="0">
-                <a:latin typeface="Microsoft Sans Serif"/>
-                <a:cs typeface="Microsoft Sans Serif"/>
-              </a:rPr>
-              <a:t>задавать</a:t>
-            </a:r>
-            <a:r>
-              <a:rPr sz="2100" b="0" spc="-55" dirty="0">
-                <a:latin typeface="Microsoft Sans Serif"/>
-                <a:cs typeface="Microsoft Sans Serif"/>
-              </a:rPr>
-              <a:t> </a:t>
-            </a:r>
-            <a:r>
-              <a:rPr sz="2100" b="0" dirty="0">
-                <a:latin typeface="Microsoft Sans Serif"/>
-                <a:cs typeface="Microsoft Sans Serif"/>
-              </a:rPr>
-              <a:t>не</a:t>
-            </a:r>
-            <a:r>
-              <a:rPr sz="2100" b="0" spc="-50" dirty="0">
-                <a:latin typeface="Microsoft Sans Serif"/>
-                <a:cs typeface="Microsoft Sans Serif"/>
-              </a:rPr>
-              <a:t> </a:t>
-            </a:r>
-            <a:r>
-              <a:rPr sz="2100" b="0" spc="-10" dirty="0">
-                <a:latin typeface="Microsoft Sans Serif"/>
-                <a:cs typeface="Microsoft Sans Serif"/>
-              </a:rPr>
-              <a:t>следует</a:t>
-            </a:r>
-            <a:endParaRPr sz="2100">
-              <a:latin typeface="Microsoft Sans Serif"/>
-              <a:cs typeface="Microsoft Sans Serif"/>
-            </a:endParaRPr>
-          </a:p>
-          <a:p>
-            <a:pPr>
-              <a:lnSpc>
-                <a:spcPct val="100000"/>
-              </a:lnSpc>
-              <a:spcBef>
-                <a:spcPts val="880"/>
-              </a:spcBef>
-            </a:pPr>
-            <a:endParaRPr sz="2100">
-              <a:latin typeface="Microsoft Sans Serif"/>
-              <a:cs typeface="Microsoft Sans Serif"/>
-            </a:endParaRPr>
-          </a:p>
-          <a:p>
-            <a:pPr marL="31115">
-              <a:lnSpc>
-                <a:spcPct val="100000"/>
-              </a:lnSpc>
-            </a:pPr>
-            <a:r>
-              <a:rPr spc="-10" dirty="0"/>
-              <a:t>Последнему</a:t>
-            </a:r>
-            <a:r>
-              <a:rPr spc="-100" dirty="0"/>
-              <a:t> </a:t>
-            </a:r>
-            <a:r>
-              <a:rPr dirty="0"/>
-              <a:t>элементу</a:t>
-            </a:r>
-            <a:r>
-              <a:rPr spc="-85" dirty="0"/>
-              <a:t> </a:t>
-            </a:r>
-            <a:r>
-              <a:rPr dirty="0"/>
-              <a:t>группы</a:t>
-            </a:r>
-            <a:r>
-              <a:rPr spc="-80" dirty="0"/>
-              <a:t> </a:t>
-            </a:r>
-            <a:r>
-              <a:rPr dirty="0"/>
-              <a:t>нужно</a:t>
-            </a:r>
-            <a:r>
-              <a:rPr spc="-90" dirty="0"/>
-              <a:t> </a:t>
-            </a:r>
-            <a:r>
-              <a:rPr dirty="0"/>
-              <a:t>обнулять</a:t>
-            </a:r>
-            <a:r>
-              <a:rPr spc="-70" dirty="0"/>
-              <a:t> </a:t>
-            </a:r>
-            <a:r>
-              <a:rPr spc="-10" dirty="0"/>
-              <a:t>отступ</a:t>
-            </a:r>
-          </a:p>
-          <a:p>
-            <a:pPr marL="31115">
-              <a:lnSpc>
-                <a:spcPct val="100000"/>
-              </a:lnSpc>
-              <a:spcBef>
-                <a:spcPts val="290"/>
-              </a:spcBef>
-            </a:pPr>
-            <a:r>
-              <a:rPr sz="2100" b="0" i="1" dirty="0">
-                <a:latin typeface="Arial"/>
-                <a:cs typeface="Arial"/>
-              </a:rPr>
-              <a:t>Следствие</a:t>
-            </a:r>
-            <a:r>
-              <a:rPr sz="2100" b="0" i="1" spc="-30" dirty="0">
-                <a:latin typeface="Arial"/>
-                <a:cs typeface="Arial"/>
-              </a:rPr>
-              <a:t> </a:t>
-            </a:r>
-            <a:r>
-              <a:rPr sz="2100" b="0" i="1" dirty="0">
-                <a:latin typeface="Arial"/>
-                <a:cs typeface="Arial"/>
-              </a:rPr>
-              <a:t>правил</a:t>
-            </a:r>
-            <a:r>
-              <a:rPr sz="2100" b="0" i="1" spc="5" dirty="0">
-                <a:latin typeface="Arial"/>
-                <a:cs typeface="Arial"/>
-              </a:rPr>
-              <a:t> </a:t>
-            </a:r>
-            <a:r>
-              <a:rPr sz="2100" b="0" i="1" dirty="0">
-                <a:latin typeface="Arial"/>
-                <a:cs typeface="Arial"/>
-              </a:rPr>
-              <a:t>1</a:t>
-            </a:r>
-            <a:r>
-              <a:rPr sz="2100" b="0" i="1" spc="-20" dirty="0">
-                <a:latin typeface="Arial"/>
-                <a:cs typeface="Arial"/>
-              </a:rPr>
-              <a:t> </a:t>
-            </a:r>
-            <a:r>
-              <a:rPr sz="2100" b="0" i="1" dirty="0">
-                <a:latin typeface="Arial"/>
-                <a:cs typeface="Arial"/>
-              </a:rPr>
-              <a:t>и</a:t>
-            </a:r>
-            <a:r>
-              <a:rPr sz="2100" b="0" i="1" spc="-5" dirty="0">
-                <a:latin typeface="Arial"/>
-                <a:cs typeface="Arial"/>
-              </a:rPr>
-              <a:t> </a:t>
-            </a:r>
-            <a:r>
-              <a:rPr sz="2100" b="0" i="1" spc="-50" dirty="0">
-                <a:latin typeface="Arial"/>
-                <a:cs typeface="Arial"/>
-              </a:rPr>
-              <a:t>2</a:t>
-            </a:r>
-            <a:endParaRPr sz="2100">
-              <a:latin typeface="Arial"/>
-              <a:cs typeface="Arial"/>
-            </a:endParaRPr>
-          </a:p>
-        </p:txBody>
-      </p:sp>
-      <p:pic>
-        <p:nvPicPr>
-          <p:cNvPr id="5" name="object 5"/>
-          <p:cNvPicPr/>
-          <p:nvPr/>
-        </p:nvPicPr>
-        <p:blipFill>
-          <a:blip r:embed="rId3" cstate="print"/>
-          <a:stretch>
-            <a:fillRect/>
-          </a:stretch>
-        </p:blipFill>
-        <p:spPr>
-          <a:xfrm>
-            <a:off x="719327" y="4104132"/>
-            <a:ext cx="248412" cy="249935"/>
-          </a:xfrm>
-          <a:prstGeom prst="rect">
-            <a:avLst/>
-          </a:prstGeom>
-        </p:spPr>
-      </p:pic>
-      <p:pic>
-        <p:nvPicPr>
-          <p:cNvPr id="6" name="object 6"/>
-          <p:cNvPicPr/>
-          <p:nvPr/>
-        </p:nvPicPr>
-        <p:blipFill>
-          <a:blip r:embed="rId4" cstate="print"/>
-          <a:stretch>
-            <a:fillRect/>
-          </a:stretch>
-        </p:blipFill>
-        <p:spPr>
-          <a:xfrm>
-            <a:off x="735076" y="5905500"/>
-            <a:ext cx="249936" cy="248412"/>
-          </a:xfrm>
-          <a:prstGeom prst="rect">
-            <a:avLst/>
-          </a:prstGeom>
-        </p:spPr>
-      </p:pic>
-      <p:pic>
-        <p:nvPicPr>
-          <p:cNvPr id="7" name="object 7"/>
-          <p:cNvPicPr/>
-          <p:nvPr/>
-        </p:nvPicPr>
-        <p:blipFill>
-          <a:blip r:embed="rId5" cstate="print"/>
-          <a:stretch>
-            <a:fillRect/>
-          </a:stretch>
-        </p:blipFill>
-        <p:spPr>
-          <a:xfrm>
-            <a:off x="735076" y="7396770"/>
-            <a:ext cx="249936" cy="249936"/>
-          </a:xfrm>
-          <a:prstGeom prst="rect">
-            <a:avLst/>
-          </a:prstGeom>
-        </p:spPr>
-      </p:pic>
-    </p:spTree>
-    <p:extLst>
-      <p:ext uri="{BB962C8B-B14F-4D97-AF65-F5344CB8AC3E}">
-        <p14:creationId xmlns:p14="http://schemas.microsoft.com/office/powerpoint/2010/main" val="137328980"/>
-      </p:ext>
-    </p:extLst>
-  </p:cSld>
-  <p:clrMapOvr>
-    <a:masterClrMapping/>
-  </p:clrMapOvr>
-</p:sld>
-</file>
-
 <file path=ppt/slides/slide68.xml><?xml version="1.0" encoding="utf-8"?>
 <p:sld xmlns:a="http://schemas.openxmlformats.org/drawingml/2006/main" xmlns:r="http://schemas.openxmlformats.org/officeDocument/2006/relationships" xmlns:p="http://schemas.openxmlformats.org/presentationml/2006/main">
   <p:cSld>
@@ -29955,10 +29506,6 @@
           </p:nvPr>
         </p:nvSpPr>
         <p:spPr>
-          <a:xfrm>
-            <a:off x="602081" y="1702384"/>
-            <a:ext cx="8086090" cy="940435"/>
-          </a:xfrm>
           <a:prstGeom prst="rect">
             <a:avLst/>
           </a:prstGeom>
@@ -29979,23 +29526,15 @@
             </a:pPr>
             <a:r>
               <a:rPr dirty="0"/>
-              <a:t>Псевдоклассы</a:t>
-            </a:r>
-            <a:r>
-              <a:rPr spc="-15" dirty="0"/>
-              <a:t> </a:t>
-            </a:r>
-            <a:r>
-              <a:rPr dirty="0"/>
-              <a:t>в</a:t>
+              <a:t>Поток</a:t>
+            </a:r>
+            <a:r>
+              <a:rPr spc="-30" dirty="0"/>
+              <a:t> </a:t>
             </a:r>
             <a:r>
               <a:rPr spc="-10" dirty="0"/>
-              <a:t> </a:t>
-            </a:r>
-            <a:r>
-              <a:rPr spc="-25" dirty="0"/>
-              <a:t>CSS</a:t>
+              <a:t>документа</a:t>
             </a:r>
           </a:p>
         </p:txBody>
@@ -30030,8 +29569,8 @@
         </p:nvSpPr>
         <p:spPr>
           <a:xfrm>
-            <a:off x="693521" y="3343147"/>
-            <a:ext cx="4849495" cy="5935345"/>
+            <a:off x="602081" y="3662553"/>
+            <a:ext cx="7979409" cy="1038225"/>
           </a:xfrm>
           <a:prstGeom prst="rect">
             <a:avLst/>
@@ -30052,222 +29591,246 @@
               </a:spcBef>
             </a:pPr>
             <a:r>
+              <a:rPr sz="2400" b="1" dirty="0">
+                <a:latin typeface="Arial"/>
+                <a:cs typeface="Arial"/>
+              </a:rPr>
+              <a:t>Поток</a:t>
+            </a:r>
+            <a:r>
+              <a:rPr sz="2400" b="1" spc="-20" dirty="0">
+                <a:latin typeface="Arial"/>
+                <a:cs typeface="Arial"/>
+              </a:rPr>
+              <a:t> </a:t>
+            </a:r>
+            <a:r>
+              <a:rPr sz="2400" b="1" dirty="0">
+                <a:latin typeface="Arial"/>
+                <a:cs typeface="Arial"/>
+              </a:rPr>
+              <a:t>—</a:t>
+            </a:r>
+            <a:r>
+              <a:rPr sz="2400" b="1" spc="-45" dirty="0">
+                <a:latin typeface="Arial"/>
+                <a:cs typeface="Arial"/>
+              </a:rPr>
+              <a:t> </a:t>
+            </a:r>
+            <a:r>
+              <a:rPr sz="2400" b="1" dirty="0">
+                <a:latin typeface="Arial"/>
+                <a:cs typeface="Arial"/>
+              </a:rPr>
+              <a:t>порядок</a:t>
+            </a:r>
+            <a:r>
+              <a:rPr sz="2400" b="1" spc="-50" dirty="0">
+                <a:latin typeface="Arial"/>
+                <a:cs typeface="Arial"/>
+              </a:rPr>
+              <a:t> </a:t>
+            </a:r>
+            <a:r>
+              <a:rPr sz="2400" b="1" dirty="0">
+                <a:latin typeface="Arial"/>
+                <a:cs typeface="Arial"/>
+              </a:rPr>
+              <a:t>вывода</a:t>
+            </a:r>
+            <a:r>
+              <a:rPr sz="2400" b="1" spc="-35" dirty="0">
+                <a:latin typeface="Arial"/>
+                <a:cs typeface="Arial"/>
+              </a:rPr>
+              <a:t> </a:t>
+            </a:r>
+            <a:r>
+              <a:rPr sz="2400" b="1" dirty="0">
+                <a:latin typeface="Arial"/>
+                <a:cs typeface="Arial"/>
+              </a:rPr>
+              <a:t>объектов</a:t>
+            </a:r>
+            <a:r>
+              <a:rPr sz="2400" b="1" spc="-25" dirty="0">
+                <a:latin typeface="Arial"/>
+                <a:cs typeface="Arial"/>
+              </a:rPr>
+              <a:t> </a:t>
+            </a:r>
+            <a:r>
+              <a:rPr sz="2400" b="1" dirty="0">
+                <a:latin typeface="Arial"/>
+                <a:cs typeface="Arial"/>
+              </a:rPr>
+              <a:t>в</a:t>
+            </a:r>
+            <a:r>
+              <a:rPr sz="2400" b="1" spc="-40" dirty="0">
+                <a:latin typeface="Arial"/>
+                <a:cs typeface="Arial"/>
+              </a:rPr>
+              <a:t> </a:t>
+            </a:r>
+            <a:r>
               <a:rPr sz="2400" b="1" spc="-10" dirty="0">
                 <a:latin typeface="Arial"/>
                 <a:cs typeface="Arial"/>
               </a:rPr>
-              <a:t>Примеры:</a:t>
-            </a:r>
-            <a:endParaRPr sz="2400" dirty="0">
+              <a:t>документе.</a:t>
+            </a:r>
+            <a:endParaRPr sz="2400">
               <a:latin typeface="Arial"/>
               <a:cs typeface="Arial"/>
             </a:endParaRPr>
           </a:p>
           <a:p>
-            <a:pPr>
-              <a:lnSpc>
-                <a:spcPct val="100000"/>
-              </a:lnSpc>
-              <a:spcBef>
-                <a:spcPts val="1570"/>
-              </a:spcBef>
-            </a:pPr>
-            <a:endParaRPr sz="2400" dirty="0">
-              <a:latin typeface="Arial"/>
-              <a:cs typeface="Arial"/>
-            </a:endParaRPr>
-          </a:p>
-          <a:p>
-            <a:pPr marL="927100" marR="248920" indent="-915035">
-              <a:lnSpc>
-                <a:spcPct val="146300"/>
-              </a:lnSpc>
-              <a:spcBef>
-                <a:spcPts val="5"/>
-              </a:spcBef>
-            </a:pPr>
-            <a:r>
-              <a:rPr sz="3200" spc="-30" dirty="0">
-                <a:latin typeface="Courier New"/>
-                <a:cs typeface="Courier New"/>
-              </a:rPr>
-              <a:t>a:first-</a:t>
-            </a:r>
-            <a:r>
-              <a:rPr sz="3200" dirty="0">
-                <a:latin typeface="Courier New"/>
-                <a:cs typeface="Courier New"/>
-              </a:rPr>
-              <a:t>child</a:t>
-            </a:r>
-            <a:r>
-              <a:rPr sz="3200" spc="-55" dirty="0">
-                <a:latin typeface="Courier New"/>
-                <a:cs typeface="Courier New"/>
-              </a:rPr>
-              <a:t> </a:t>
-            </a:r>
-            <a:r>
-              <a:rPr sz="3200" spc="-50" dirty="0">
-                <a:latin typeface="Courier New"/>
-                <a:cs typeface="Courier New"/>
-              </a:rPr>
-              <a:t>{ </a:t>
-            </a:r>
-            <a:r>
-              <a:rPr sz="3200" spc="-30" dirty="0">
-                <a:latin typeface="Courier New"/>
-                <a:cs typeface="Courier New"/>
-              </a:rPr>
-              <a:t>margin-</a:t>
-            </a:r>
-            <a:r>
-              <a:rPr sz="3200" dirty="0">
-                <a:latin typeface="Courier New"/>
-                <a:cs typeface="Courier New"/>
-              </a:rPr>
-              <a:t>left:</a:t>
-            </a:r>
-            <a:r>
-              <a:rPr sz="3200" spc="-55" dirty="0">
-                <a:latin typeface="Courier New"/>
-                <a:cs typeface="Courier New"/>
-              </a:rPr>
-              <a:t> </a:t>
-            </a:r>
-            <a:r>
-              <a:rPr sz="3200" spc="-25" dirty="0">
-                <a:latin typeface="Courier New"/>
-                <a:cs typeface="Courier New"/>
-              </a:rPr>
-              <a:t>0;</a:t>
-            </a:r>
-            <a:endParaRPr sz="3200" dirty="0">
-              <a:latin typeface="Courier New"/>
-              <a:cs typeface="Courier New"/>
-            </a:endParaRPr>
-          </a:p>
-          <a:p>
             <a:pPr marL="12700">
               <a:lnSpc>
                 <a:spcPct val="100000"/>
               </a:lnSpc>
               <a:spcBef>
-                <a:spcPts val="1775"/>
-              </a:spcBef>
-            </a:pPr>
-            <a:r>
-              <a:rPr sz="3200" spc="-50" dirty="0">
-                <a:latin typeface="Courier New"/>
-                <a:cs typeface="Courier New"/>
-              </a:rPr>
-              <a:t>}</a:t>
-            </a:r>
-            <a:endParaRPr sz="3200" dirty="0">
-              <a:latin typeface="Courier New"/>
-              <a:cs typeface="Courier New"/>
-            </a:endParaRPr>
-          </a:p>
-          <a:p>
-            <a:pPr>
-              <a:lnSpc>
-                <a:spcPct val="100000"/>
-              </a:lnSpc>
-              <a:spcBef>
-                <a:spcPts val="1995"/>
-              </a:spcBef>
-            </a:pPr>
-            <a:endParaRPr sz="3200" dirty="0">
-              <a:latin typeface="Courier New"/>
-              <a:cs typeface="Courier New"/>
-            </a:endParaRPr>
-          </a:p>
-          <a:p>
-            <a:pPr marL="927100" marR="5080" indent="-915035">
-              <a:lnSpc>
-                <a:spcPct val="146200"/>
-              </a:lnSpc>
-            </a:pPr>
-            <a:r>
-              <a:rPr sz="3200" spc="-30" dirty="0">
-                <a:latin typeface="Courier New"/>
-                <a:cs typeface="Courier New"/>
-              </a:rPr>
-              <a:t>a:last-</a:t>
-            </a:r>
-            <a:r>
-              <a:rPr sz="3200" dirty="0">
-                <a:latin typeface="Courier New"/>
-                <a:cs typeface="Courier New"/>
-              </a:rPr>
-              <a:t>child</a:t>
-            </a:r>
-            <a:r>
-              <a:rPr sz="3200" spc="-55" dirty="0">
-                <a:latin typeface="Courier New"/>
-                <a:cs typeface="Courier New"/>
-              </a:rPr>
-              <a:t> </a:t>
-            </a:r>
-            <a:r>
-              <a:rPr sz="3200" spc="-50" dirty="0">
-                <a:latin typeface="Courier New"/>
-                <a:cs typeface="Courier New"/>
-              </a:rPr>
-              <a:t>{ </a:t>
-            </a:r>
-            <a:r>
-              <a:rPr sz="3200" spc="-30" dirty="0">
-                <a:latin typeface="Courier New"/>
-                <a:cs typeface="Courier New"/>
-              </a:rPr>
-              <a:t>margin-</a:t>
-            </a:r>
-            <a:r>
-              <a:rPr sz="3200" dirty="0">
-                <a:latin typeface="Courier New"/>
-                <a:cs typeface="Courier New"/>
-              </a:rPr>
-              <a:t>right:</a:t>
-            </a:r>
-            <a:r>
-              <a:rPr sz="3200" spc="-80" dirty="0">
-                <a:latin typeface="Courier New"/>
-                <a:cs typeface="Courier New"/>
-              </a:rPr>
-              <a:t> </a:t>
-            </a:r>
-            <a:r>
-              <a:rPr sz="3200" spc="-25" dirty="0">
-                <a:latin typeface="Courier New"/>
-                <a:cs typeface="Courier New"/>
-              </a:rPr>
-              <a:t>0;</a:t>
-            </a:r>
-            <a:endParaRPr sz="3200" dirty="0">
-              <a:latin typeface="Courier New"/>
-              <a:cs typeface="Courier New"/>
-            </a:endParaRPr>
-          </a:p>
-          <a:p>
-            <a:pPr marL="12700">
-              <a:lnSpc>
-                <a:spcPct val="100000"/>
-              </a:lnSpc>
-              <a:spcBef>
-                <a:spcPts val="1775"/>
-              </a:spcBef>
-            </a:pPr>
-            <a:r>
-              <a:rPr sz="3200" spc="-50" dirty="0">
-                <a:latin typeface="Courier New"/>
-                <a:cs typeface="Courier New"/>
-              </a:rPr>
-              <a:t>}</a:t>
-            </a:r>
-            <a:endParaRPr sz="3200" dirty="0">
-              <a:latin typeface="Courier New"/>
-              <a:cs typeface="Courier New"/>
+                <a:spcPts val="2210"/>
+              </a:spcBef>
+            </a:pPr>
+            <a:r>
+              <a:rPr sz="2400" dirty="0">
+                <a:latin typeface="Microsoft Sans Serif"/>
+                <a:cs typeface="Microsoft Sans Serif"/>
+              </a:rPr>
+              <a:t>В</a:t>
+            </a:r>
+            <a:r>
+              <a:rPr sz="2400" spc="-40" dirty="0">
+                <a:latin typeface="Microsoft Sans Serif"/>
+                <a:cs typeface="Microsoft Sans Serif"/>
+              </a:rPr>
+              <a:t> </a:t>
+            </a:r>
+            <a:r>
+              <a:rPr sz="2400" spc="-10" dirty="0">
+                <a:latin typeface="Microsoft Sans Serif"/>
+                <a:cs typeface="Microsoft Sans Serif"/>
+              </a:rPr>
+              <a:t>вёрстке</a:t>
+            </a:r>
+            <a:r>
+              <a:rPr sz="2400" spc="-40" dirty="0">
+                <a:latin typeface="Microsoft Sans Serif"/>
+                <a:cs typeface="Microsoft Sans Serif"/>
+              </a:rPr>
+              <a:t> </a:t>
+            </a:r>
+            <a:r>
+              <a:rPr sz="2400" dirty="0">
+                <a:latin typeface="Microsoft Sans Serif"/>
+                <a:cs typeface="Microsoft Sans Serif"/>
+              </a:rPr>
+              <a:t>этот</a:t>
+            </a:r>
+            <a:r>
+              <a:rPr sz="2400" spc="-40" dirty="0">
+                <a:latin typeface="Microsoft Sans Serif"/>
+                <a:cs typeface="Microsoft Sans Serif"/>
+              </a:rPr>
+              <a:t> </a:t>
+            </a:r>
+            <a:r>
+              <a:rPr sz="2400" spc="-20" dirty="0">
+                <a:latin typeface="Microsoft Sans Serif"/>
+                <a:cs typeface="Microsoft Sans Serif"/>
+              </a:rPr>
+              <a:t>поток</a:t>
+            </a:r>
+            <a:r>
+              <a:rPr sz="2400" spc="-30" dirty="0">
+                <a:latin typeface="Microsoft Sans Serif"/>
+                <a:cs typeface="Microsoft Sans Serif"/>
+              </a:rPr>
+              <a:t> </a:t>
+            </a:r>
+            <a:r>
+              <a:rPr sz="2400" dirty="0">
+                <a:latin typeface="Microsoft Sans Serif"/>
+                <a:cs typeface="Microsoft Sans Serif"/>
+              </a:rPr>
+              <a:t>идёт</a:t>
+            </a:r>
+            <a:r>
+              <a:rPr sz="2400" spc="-35" dirty="0">
+                <a:latin typeface="Microsoft Sans Serif"/>
+                <a:cs typeface="Microsoft Sans Serif"/>
+              </a:rPr>
+              <a:t> </a:t>
+            </a:r>
+            <a:r>
+              <a:rPr sz="2400" dirty="0">
+                <a:latin typeface="Microsoft Sans Serif"/>
+                <a:cs typeface="Microsoft Sans Serif"/>
+              </a:rPr>
+              <a:t>сверху</a:t>
+            </a:r>
+            <a:r>
+              <a:rPr sz="2400" spc="-25" dirty="0">
+                <a:latin typeface="Microsoft Sans Serif"/>
+                <a:cs typeface="Microsoft Sans Serif"/>
+              </a:rPr>
+              <a:t> </a:t>
+            </a:r>
+            <a:r>
+              <a:rPr sz="2400" dirty="0">
+                <a:latin typeface="Microsoft Sans Serif"/>
+                <a:cs typeface="Microsoft Sans Serif"/>
+              </a:rPr>
+              <a:t>вниз</a:t>
+            </a:r>
+            <a:r>
+              <a:rPr sz="2400" spc="-35" dirty="0">
+                <a:latin typeface="Microsoft Sans Serif"/>
+                <a:cs typeface="Microsoft Sans Serif"/>
+              </a:rPr>
+              <a:t> </a:t>
+            </a:r>
+            <a:r>
+              <a:rPr sz="2400" dirty="0">
+                <a:latin typeface="Microsoft Sans Serif"/>
+                <a:cs typeface="Microsoft Sans Serif"/>
+              </a:rPr>
+              <a:t>и</a:t>
+            </a:r>
+            <a:r>
+              <a:rPr sz="2400" spc="-45" dirty="0">
+                <a:latin typeface="Microsoft Sans Serif"/>
+                <a:cs typeface="Microsoft Sans Serif"/>
+              </a:rPr>
+              <a:t> </a:t>
+            </a:r>
+            <a:r>
+              <a:rPr sz="2400" dirty="0">
+                <a:latin typeface="Microsoft Sans Serif"/>
+                <a:cs typeface="Microsoft Sans Serif"/>
+              </a:rPr>
+              <a:t>слева</a:t>
+            </a:r>
+            <a:r>
+              <a:rPr sz="2400" spc="-40" dirty="0">
+                <a:latin typeface="Microsoft Sans Serif"/>
+                <a:cs typeface="Microsoft Sans Serif"/>
+              </a:rPr>
+              <a:t> </a:t>
+            </a:r>
+            <a:r>
+              <a:rPr sz="2400" spc="-10" dirty="0">
+                <a:latin typeface="Microsoft Sans Serif"/>
+                <a:cs typeface="Microsoft Sans Serif"/>
+              </a:rPr>
+              <a:t>направо.</a:t>
+            </a:r>
+            <a:endParaRPr sz="2400">
+              <a:latin typeface="Microsoft Sans Serif"/>
+              <a:cs typeface="Microsoft Sans Serif"/>
             </a:endParaRPr>
           </a:p>
         </p:txBody>
@@ -30275,7 +29838,7 @@
     </p:spTree>
     <p:extLst>
       <p:ext uri="{BB962C8B-B14F-4D97-AF65-F5344CB8AC3E}">
-        <p14:creationId xmlns:p14="http://schemas.microsoft.com/office/powerpoint/2010/main" val="681962747"/>
+        <p14:creationId xmlns:p14="http://schemas.microsoft.com/office/powerpoint/2010/main" val="1247790837"/>
       </p:ext>
     </p:extLst>
   </p:cSld>
@@ -30315,45 +29878,37 @@
         <p:spPr>
           <a:xfrm>
             <a:off x="602081" y="1702384"/>
-            <a:ext cx="8086090" cy="940435"/>
+            <a:ext cx="9189619" cy="1784463"/>
           </a:xfrm>
           <a:prstGeom prst="rect">
             <a:avLst/>
           </a:prstGeom>
         </p:spPr>
         <p:txBody>
-          <a:bodyPr vert="horz" wrap="square" lIns="0" tIns="12700" rIns="0" bIns="0" rtlCol="0">
+          <a:bodyPr vert="horz" wrap="square" lIns="0" tIns="116205" rIns="0" bIns="0" rtlCol="0">
             <a:spAutoFit/>
           </a:bodyPr>
           <a:lstStyle/>
           <a:p>
-            <a:pPr marL="12700">
-              <a:lnSpc>
-                <a:spcPct val="100000"/>
-              </a:lnSpc>
-              <a:spcBef>
-                <a:spcPts val="100"/>
+            <a:pPr marL="12700" marR="5080">
+              <a:lnSpc>
+                <a:spcPts val="6480"/>
+              </a:lnSpc>
+              <a:spcBef>
+                <a:spcPts val="915"/>
               </a:spcBef>
             </a:pPr>
             <a:r>
               <a:rPr dirty="0"/>
-              <a:t>Псевдоклассы</a:t>
-            </a:r>
-            <a:r>
-              <a:rPr spc="-15" dirty="0"/>
-              <a:t> </a:t>
-            </a:r>
-            <a:r>
-              <a:rPr dirty="0"/>
-              <a:t>в</a:t>
+              <a:t>Принципы</a:t>
+            </a:r>
+            <a:r>
+              <a:rPr spc="-30" dirty="0"/>
+              <a:t> </a:t>
             </a:r>
             <a:r>
               <a:rPr spc="-10" dirty="0"/>
-              <a:t> </a:t>
-            </a:r>
-            <a:r>
-              <a:rPr spc="-25" dirty="0"/>
-              <a:t>CSS</a:t>
+              <a:t>организации отступов</a:t>
             </a:r>
           </a:p>
         </p:txBody>
@@ -30383,20 +29938,24 @@
       <p:sp>
         <p:nvSpPr>
           <p:cNvPr id="4" name="object 4"/>
-          <p:cNvSpPr txBox="1"/>
-          <p:nvPr/>
+          <p:cNvSpPr txBox="1">
+            <a:spLocks noGrp="1"/>
+          </p:cNvSpPr>
+          <p:nvPr>
+            <p:ph type="body" idx="1"/>
+          </p:nvPr>
         </p:nvSpPr>
         <p:spPr>
           <a:xfrm>
-            <a:off x="693521" y="3343147"/>
-            <a:ext cx="5825490" cy="3082290"/>
+            <a:off x="1137919" y="3920780"/>
+            <a:ext cx="7292975" cy="5071260"/>
           </a:xfrm>
           <a:prstGeom prst="rect">
             <a:avLst/>
           </a:prstGeom>
         </p:spPr>
         <p:txBody>
-          <a:bodyPr vert="horz" wrap="square" lIns="0" tIns="12700" rIns="0" bIns="0" rtlCol="0">
+          <a:bodyPr vert="horz" wrap="square" lIns="0" tIns="48895" rIns="0" bIns="0" rtlCol="0">
             <a:spAutoFit/>
           </a:bodyPr>
           <a:lstStyle/>
@@ -30406,17 +29965,496 @@
                 <a:spcPct val="100000"/>
               </a:lnSpc>
               <a:spcBef>
-                <a:spcPts val="100"/>
-              </a:spcBef>
-            </a:pPr>
-            <a:r>
-              <a:rPr sz="2400" b="1" spc="-10" dirty="0">
-                <a:latin typeface="Arial"/>
-                <a:cs typeface="Arial"/>
-              </a:rPr>
-              <a:t>Пример:</a:t>
-            </a:r>
-            <a:endParaRPr sz="2400" dirty="0">
+                <a:spcPts val="385"/>
+              </a:spcBef>
+            </a:pPr>
+            <a:r>
+              <a:rPr sz="2000" dirty="0"/>
+              <a:t>Отступы</a:t>
+            </a:r>
+            <a:r>
+              <a:rPr sz="2000" spc="-85" dirty="0"/>
+              <a:t> </a:t>
+            </a:r>
+            <a:r>
+              <a:rPr sz="2000" spc="-10" dirty="0"/>
+              <a:t>задаются</a:t>
+            </a:r>
+          </a:p>
+          <a:p>
+            <a:pPr marL="12700">
+              <a:lnSpc>
+                <a:spcPct val="100000"/>
+              </a:lnSpc>
+              <a:spcBef>
+                <a:spcPts val="290"/>
+              </a:spcBef>
+            </a:pPr>
+            <a:r>
+              <a:rPr sz="2000" dirty="0"/>
+              <a:t>от</a:t>
+            </a:r>
+            <a:r>
+              <a:rPr sz="2000" spc="-95" dirty="0"/>
+              <a:t> </a:t>
+            </a:r>
+            <a:r>
+              <a:rPr sz="2000" dirty="0"/>
+              <a:t>предыдущего</a:t>
+            </a:r>
+            <a:r>
+              <a:rPr sz="2000" spc="-65" dirty="0"/>
+              <a:t> </a:t>
+            </a:r>
+            <a:r>
+              <a:rPr sz="2000" dirty="0"/>
+              <a:t>элемента</a:t>
+            </a:r>
+            <a:r>
+              <a:rPr sz="2000" spc="-50" dirty="0"/>
+              <a:t> </a:t>
+            </a:r>
+            <a:r>
+              <a:rPr sz="2000" dirty="0"/>
+              <a:t>к</a:t>
+            </a:r>
+            <a:r>
+              <a:rPr sz="2000" spc="-85" dirty="0"/>
+              <a:t> </a:t>
+            </a:r>
+            <a:r>
+              <a:rPr sz="2000" spc="-10" dirty="0"/>
+              <a:t>следующему</a:t>
+            </a:r>
+          </a:p>
+          <a:p>
+            <a:pPr marL="12700">
+              <a:lnSpc>
+                <a:spcPct val="100000"/>
+              </a:lnSpc>
+              <a:spcBef>
+                <a:spcPts val="285"/>
+              </a:spcBef>
+            </a:pPr>
+            <a:r>
+              <a:rPr sz="2000" b="0" dirty="0">
+                <a:latin typeface="Microsoft Sans Serif"/>
+                <a:cs typeface="Microsoft Sans Serif"/>
+              </a:rPr>
+              <a:t>Нужно</a:t>
+            </a:r>
+            <a:r>
+              <a:rPr sz="2000" b="0" spc="-45" dirty="0">
+                <a:latin typeface="Microsoft Sans Serif"/>
+                <a:cs typeface="Microsoft Sans Serif"/>
+              </a:rPr>
+              <a:t> </a:t>
+            </a:r>
+            <a:r>
+              <a:rPr sz="2000" b="0" dirty="0">
+                <a:latin typeface="Microsoft Sans Serif"/>
+                <a:cs typeface="Microsoft Sans Serif"/>
+              </a:rPr>
+              <a:t>стремиться</a:t>
+            </a:r>
+            <a:r>
+              <a:rPr sz="2000" b="0" spc="-40" dirty="0">
+                <a:latin typeface="Microsoft Sans Serif"/>
+                <a:cs typeface="Microsoft Sans Serif"/>
+              </a:rPr>
+              <a:t> </a:t>
+            </a:r>
+            <a:r>
+              <a:rPr sz="2000" b="0" spc="-10" dirty="0">
+                <a:latin typeface="Microsoft Sans Serif"/>
+                <a:cs typeface="Microsoft Sans Serif"/>
+              </a:rPr>
+              <a:t>использовать</a:t>
+            </a:r>
+            <a:r>
+              <a:rPr sz="2000" b="0" spc="-40" dirty="0">
+                <a:latin typeface="Microsoft Sans Serif"/>
+                <a:cs typeface="Microsoft Sans Serif"/>
+              </a:rPr>
+              <a:t> </a:t>
+            </a:r>
+            <a:r>
+              <a:rPr sz="2000" b="0" spc="-10" dirty="0">
+                <a:latin typeface="Microsoft Sans Serif"/>
+                <a:cs typeface="Microsoft Sans Serif"/>
+              </a:rPr>
+              <a:t>margin</a:t>
+            </a:r>
+            <a:r>
+              <a:rPr sz="2000" b="0" spc="-10" dirty="0">
+                <a:latin typeface="Arial MT"/>
+                <a:cs typeface="Arial MT"/>
+              </a:rPr>
+              <a:t>-</a:t>
+            </a:r>
+            <a:r>
+              <a:rPr sz="2000" b="0" dirty="0">
+                <a:latin typeface="Microsoft Sans Serif"/>
+                <a:cs typeface="Microsoft Sans Serif"/>
+              </a:rPr>
+              <a:t>right</a:t>
+            </a:r>
+            <a:r>
+              <a:rPr sz="2000" b="0" spc="-40" dirty="0">
+                <a:latin typeface="Microsoft Sans Serif"/>
+                <a:cs typeface="Microsoft Sans Serif"/>
+              </a:rPr>
+              <a:t> </a:t>
+            </a:r>
+            <a:r>
+              <a:rPr sz="2000" b="0" dirty="0">
+                <a:latin typeface="Microsoft Sans Serif"/>
+                <a:cs typeface="Microsoft Sans Serif"/>
+              </a:rPr>
+              <a:t>и</a:t>
+            </a:r>
+            <a:r>
+              <a:rPr sz="2000" b="0" spc="-45" dirty="0">
+                <a:latin typeface="Microsoft Sans Serif"/>
+                <a:cs typeface="Microsoft Sans Serif"/>
+              </a:rPr>
+              <a:t> </a:t>
+            </a:r>
+            <a:r>
+              <a:rPr sz="2000" b="0" spc="-10" dirty="0">
+                <a:latin typeface="Microsoft Sans Serif"/>
+                <a:cs typeface="Microsoft Sans Serif"/>
+              </a:rPr>
+              <a:t>margin</a:t>
+            </a:r>
+            <a:r>
+              <a:rPr sz="2000" b="0" spc="-10" dirty="0">
+                <a:latin typeface="Arial MT"/>
+                <a:cs typeface="Arial MT"/>
+              </a:rPr>
+              <a:t>-bottom</a:t>
+            </a:r>
+            <a:endParaRPr sz="2000" dirty="0">
+              <a:latin typeface="Arial MT"/>
+              <a:cs typeface="Arial MT"/>
+            </a:endParaRPr>
+          </a:p>
+          <a:p>
+            <a:pPr>
+              <a:lnSpc>
+                <a:spcPct val="100000"/>
+              </a:lnSpc>
+              <a:spcBef>
+                <a:spcPts val="865"/>
+              </a:spcBef>
+            </a:pPr>
+            <a:endParaRPr sz="2000" dirty="0">
+              <a:latin typeface="Arial MT"/>
+              <a:cs typeface="Arial MT"/>
+            </a:endParaRPr>
+          </a:p>
+          <a:p>
+            <a:pPr marL="31115">
+              <a:lnSpc>
+                <a:spcPct val="100000"/>
+              </a:lnSpc>
+            </a:pPr>
+            <a:r>
+              <a:rPr sz="2000" dirty="0"/>
+              <a:t>Отступы</a:t>
+            </a:r>
+            <a:r>
+              <a:rPr sz="2000" spc="-85" dirty="0"/>
+              <a:t> </a:t>
+            </a:r>
+            <a:r>
+              <a:rPr sz="2000" spc="-10" dirty="0"/>
+              <a:t>задаются</a:t>
+            </a:r>
+          </a:p>
+          <a:p>
+            <a:pPr marL="31115">
+              <a:lnSpc>
+                <a:spcPct val="100000"/>
+              </a:lnSpc>
+              <a:spcBef>
+                <a:spcPts val="285"/>
+              </a:spcBef>
+            </a:pPr>
+            <a:r>
+              <a:rPr sz="2000" dirty="0"/>
+              <a:t>только</a:t>
+            </a:r>
+            <a:r>
+              <a:rPr sz="2000" spc="-85" dirty="0"/>
+              <a:t> </a:t>
+            </a:r>
+            <a:r>
+              <a:rPr sz="2000" dirty="0"/>
+              <a:t>между</a:t>
+            </a:r>
+            <a:r>
+              <a:rPr sz="2000" spc="-85" dirty="0"/>
+              <a:t> </a:t>
+            </a:r>
+            <a:r>
+              <a:rPr sz="2000" dirty="0"/>
+              <a:t>соседними</a:t>
+            </a:r>
+            <a:r>
+              <a:rPr sz="2000" spc="-90" dirty="0"/>
+              <a:t> </a:t>
+            </a:r>
+            <a:r>
+              <a:rPr sz="2000" dirty="0"/>
+              <a:t>элементами</a:t>
+            </a:r>
+            <a:r>
+              <a:rPr sz="2000" spc="-65" dirty="0"/>
+              <a:t> </a:t>
+            </a:r>
+            <a:r>
+              <a:rPr sz="2000" dirty="0"/>
+              <a:t>в</a:t>
+            </a:r>
+            <a:r>
+              <a:rPr sz="2000" spc="-90" dirty="0"/>
+              <a:t> </a:t>
+            </a:r>
+            <a:r>
+              <a:rPr sz="2000" spc="-10" dirty="0"/>
+              <a:t>потоке</a:t>
+            </a:r>
+          </a:p>
+          <a:p>
+            <a:pPr marL="31115">
+              <a:lnSpc>
+                <a:spcPct val="100000"/>
+              </a:lnSpc>
+              <a:spcBef>
+                <a:spcPts val="290"/>
+              </a:spcBef>
+            </a:pPr>
+            <a:r>
+              <a:rPr sz="2000" b="0" dirty="0">
+                <a:latin typeface="Microsoft Sans Serif"/>
+                <a:cs typeface="Microsoft Sans Serif"/>
+              </a:rPr>
+              <a:t>Отступы</a:t>
+            </a:r>
+            <a:r>
+              <a:rPr sz="2000" b="0" spc="-40" dirty="0">
+                <a:latin typeface="Microsoft Sans Serif"/>
+                <a:cs typeface="Microsoft Sans Serif"/>
+              </a:rPr>
+              <a:t> </a:t>
+            </a:r>
+            <a:r>
+              <a:rPr sz="2000" b="0" dirty="0">
+                <a:latin typeface="Microsoft Sans Serif"/>
+                <a:cs typeface="Microsoft Sans Serif"/>
+              </a:rPr>
+              <a:t>по</a:t>
+            </a:r>
+            <a:r>
+              <a:rPr sz="2000" b="0" spc="-60" dirty="0">
+                <a:latin typeface="Microsoft Sans Serif"/>
+                <a:cs typeface="Microsoft Sans Serif"/>
+              </a:rPr>
+              <a:t> </a:t>
+            </a:r>
+            <a:r>
+              <a:rPr sz="2000" b="0" spc="-10" dirty="0">
+                <a:latin typeface="Microsoft Sans Serif"/>
+                <a:cs typeface="Microsoft Sans Serif"/>
+              </a:rPr>
+              <a:t>краям</a:t>
+            </a:r>
+            <a:r>
+              <a:rPr sz="2000" b="0" spc="-40" dirty="0">
+                <a:latin typeface="Microsoft Sans Serif"/>
+                <a:cs typeface="Microsoft Sans Serif"/>
+              </a:rPr>
+              <a:t> </a:t>
+            </a:r>
+            <a:r>
+              <a:rPr sz="2000" b="0" dirty="0">
+                <a:latin typeface="Microsoft Sans Serif"/>
+                <a:cs typeface="Microsoft Sans Serif"/>
+              </a:rPr>
+              <a:t>задавать</a:t>
+            </a:r>
+            <a:r>
+              <a:rPr sz="2000" b="0" spc="-55" dirty="0">
+                <a:latin typeface="Microsoft Sans Serif"/>
+                <a:cs typeface="Microsoft Sans Serif"/>
+              </a:rPr>
+              <a:t> </a:t>
+            </a:r>
+            <a:r>
+              <a:rPr sz="2000" b="0" dirty="0">
+                <a:latin typeface="Microsoft Sans Serif"/>
+                <a:cs typeface="Microsoft Sans Serif"/>
+              </a:rPr>
+              <a:t>не</a:t>
+            </a:r>
+            <a:r>
+              <a:rPr sz="2000" b="0" spc="-50" dirty="0">
+                <a:latin typeface="Microsoft Sans Serif"/>
+                <a:cs typeface="Microsoft Sans Serif"/>
+              </a:rPr>
+              <a:t> </a:t>
+            </a:r>
+            <a:r>
+              <a:rPr sz="2000" b="0" spc="-10" dirty="0">
+                <a:latin typeface="Microsoft Sans Serif"/>
+                <a:cs typeface="Microsoft Sans Serif"/>
+              </a:rPr>
+              <a:t>следует</a:t>
+            </a:r>
+            <a:endParaRPr sz="2000" dirty="0">
+              <a:latin typeface="Microsoft Sans Serif"/>
+              <a:cs typeface="Microsoft Sans Serif"/>
+            </a:endParaRPr>
+          </a:p>
+          <a:p>
+            <a:pPr>
+              <a:lnSpc>
+                <a:spcPct val="100000"/>
+              </a:lnSpc>
+              <a:spcBef>
+                <a:spcPts val="880"/>
+              </a:spcBef>
+            </a:pPr>
+            <a:endParaRPr sz="2000" dirty="0">
+              <a:latin typeface="Microsoft Sans Serif"/>
+              <a:cs typeface="Microsoft Sans Serif"/>
+            </a:endParaRPr>
+          </a:p>
+          <a:p>
+            <a:pPr marL="31115">
+              <a:lnSpc>
+                <a:spcPct val="100000"/>
+              </a:lnSpc>
+            </a:pPr>
+            <a:r>
+              <a:rPr sz="2000" spc="-10" dirty="0"/>
+              <a:t>Последнему</a:t>
+            </a:r>
+            <a:r>
+              <a:rPr sz="2000" spc="-100" dirty="0"/>
+              <a:t> </a:t>
+            </a:r>
+            <a:r>
+              <a:rPr sz="2000" dirty="0"/>
+              <a:t>элементу</a:t>
+            </a:r>
+            <a:r>
+              <a:rPr sz="2000" spc="-85" dirty="0"/>
+              <a:t> </a:t>
+            </a:r>
+            <a:r>
+              <a:rPr sz="2000" dirty="0"/>
+              <a:t>группы</a:t>
+            </a:r>
+            <a:r>
+              <a:rPr sz="2000" spc="-80" dirty="0"/>
+              <a:t> </a:t>
+            </a:r>
+            <a:r>
+              <a:rPr sz="2000" dirty="0"/>
+              <a:t>нужно</a:t>
+            </a:r>
+            <a:r>
+              <a:rPr sz="2000" spc="-90" dirty="0"/>
+              <a:t> </a:t>
+            </a:r>
+            <a:r>
+              <a:rPr sz="2000" dirty="0"/>
+              <a:t>обнулять</a:t>
+            </a:r>
+            <a:r>
+              <a:rPr sz="2000" spc="-70" dirty="0"/>
+              <a:t> </a:t>
+            </a:r>
+            <a:r>
+              <a:rPr sz="2000" spc="-10" dirty="0"/>
+              <a:t>отступ</a:t>
+            </a:r>
+          </a:p>
+          <a:p>
+            <a:pPr marL="31115">
+              <a:lnSpc>
+                <a:spcPct val="100000"/>
+              </a:lnSpc>
+              <a:spcBef>
+                <a:spcPts val="290"/>
+              </a:spcBef>
+            </a:pPr>
+            <a:r>
+              <a:rPr sz="2000" b="0" i="1" dirty="0">
+                <a:latin typeface="Arial"/>
+                <a:cs typeface="Arial"/>
+              </a:rPr>
+              <a:t>Следствие</a:t>
+            </a:r>
+            <a:r>
+              <a:rPr sz="2000" b="0" i="1" spc="-30" dirty="0">
+                <a:latin typeface="Arial"/>
+                <a:cs typeface="Arial"/>
+              </a:rPr>
+              <a:t> </a:t>
+            </a:r>
+            <a:r>
+              <a:rPr sz="2000" b="0" i="1" dirty="0">
+                <a:latin typeface="Arial"/>
+                <a:cs typeface="Arial"/>
+              </a:rPr>
+              <a:t>правил</a:t>
+            </a:r>
+            <a:r>
+              <a:rPr sz="2000" b="0" i="1" spc="5" dirty="0">
+                <a:latin typeface="Arial"/>
+                <a:cs typeface="Arial"/>
+              </a:rPr>
+              <a:t> </a:t>
+            </a:r>
+            <a:r>
+              <a:rPr sz="2000" b="0" i="1" dirty="0">
+                <a:latin typeface="Arial"/>
+                <a:cs typeface="Arial"/>
+              </a:rPr>
+              <a:t>1</a:t>
+            </a:r>
+            <a:r>
+              <a:rPr sz="2000" b="0" i="1" spc="-20" dirty="0">
+                <a:latin typeface="Arial"/>
+                <a:cs typeface="Arial"/>
+              </a:rPr>
+              <a:t> </a:t>
+            </a:r>
+            <a:r>
+              <a:rPr sz="2000" b="0" i="1" dirty="0">
+                <a:latin typeface="Arial"/>
+                <a:cs typeface="Arial"/>
+              </a:rPr>
+              <a:t>и</a:t>
+            </a:r>
+            <a:r>
+              <a:rPr sz="2000" b="0" i="1" spc="-5" dirty="0">
+                <a:latin typeface="Arial"/>
+                <a:cs typeface="Arial"/>
+              </a:rPr>
+              <a:t> </a:t>
+            </a:r>
+            <a:r>
+              <a:rPr sz="2000" b="0" i="1" spc="-50" dirty="0">
+                <a:latin typeface="Arial"/>
+                <a:cs typeface="Arial"/>
+              </a:rPr>
+              <a:t>2</a:t>
+            </a:r>
+            <a:endParaRPr sz="2000" dirty="0">
               <a:latin typeface="Arial"/>
               <a:cs typeface="Arial"/>
             </a:endParaRPr>
@@ -30427,111 +30465,306 @@
                 <a:spcPct val="100000"/>
               </a:lnSpc>
               <a:spcBef>
-                <a:spcPts val="1570"/>
-              </a:spcBef>
-            </a:pPr>
-            <a:endParaRPr sz="2400" dirty="0">
+                <a:spcPts val="985"/>
+              </a:spcBef>
+            </a:pPr>
+            <a:endParaRPr sz="2000" dirty="0">
               <a:latin typeface="Arial"/>
               <a:cs typeface="Arial"/>
             </a:endParaRPr>
           </a:p>
           <a:p>
-            <a:pPr marL="927100" marR="5080" indent="-915035">
-              <a:lnSpc>
-                <a:spcPct val="146300"/>
-              </a:lnSpc>
-              <a:spcBef>
-                <a:spcPts val="5"/>
-              </a:spcBef>
-            </a:pPr>
-            <a:r>
-              <a:rPr sz="3200" spc="-30" dirty="0">
-                <a:latin typeface="Courier New"/>
-                <a:cs typeface="Courier New"/>
-              </a:rPr>
-              <a:t>li:not(:last-</a:t>
-            </a:r>
-            <a:r>
-              <a:rPr sz="3200" dirty="0">
-                <a:latin typeface="Courier New"/>
-                <a:cs typeface="Courier New"/>
-              </a:rPr>
-              <a:t>child)</a:t>
-            </a:r>
-            <a:r>
-              <a:rPr sz="3200" spc="-35" dirty="0">
-                <a:latin typeface="Courier New"/>
-                <a:cs typeface="Courier New"/>
-              </a:rPr>
-              <a:t> </a:t>
-            </a:r>
-            <a:r>
-              <a:rPr sz="3200" spc="-50" dirty="0">
-                <a:latin typeface="Courier New"/>
-                <a:cs typeface="Courier New"/>
-              </a:rPr>
-              <a:t>{ </a:t>
-            </a:r>
-            <a:r>
-              <a:rPr sz="3200" spc="-30" dirty="0">
-                <a:latin typeface="Courier New"/>
-                <a:cs typeface="Courier New"/>
-              </a:rPr>
-              <a:t>margin-</a:t>
-            </a:r>
-            <a:r>
-              <a:rPr sz="3200" dirty="0">
-                <a:latin typeface="Courier New"/>
-                <a:cs typeface="Courier New"/>
-              </a:rPr>
-              <a:t>bottom:</a:t>
-            </a:r>
-            <a:r>
-              <a:rPr sz="3200" spc="-100" dirty="0">
-                <a:latin typeface="Courier New"/>
-                <a:cs typeface="Courier New"/>
-              </a:rPr>
-              <a:t> </a:t>
-            </a:r>
-            <a:r>
-              <a:rPr sz="3200" spc="-10" dirty="0">
-                <a:latin typeface="Courier New"/>
-                <a:cs typeface="Courier New"/>
-              </a:rPr>
-              <a:t>10px;</a:t>
-            </a:r>
-            <a:endParaRPr sz="3200" dirty="0">
-              <a:latin typeface="Courier New"/>
-              <a:cs typeface="Courier New"/>
-            </a:endParaRPr>
-          </a:p>
-          <a:p>
-            <a:pPr marL="12700">
-              <a:lnSpc>
-                <a:spcPct val="100000"/>
-              </a:lnSpc>
-              <a:spcBef>
-                <a:spcPts val="1775"/>
-              </a:spcBef>
-            </a:pPr>
-            <a:r>
-              <a:rPr sz="3200" spc="-50" dirty="0">
-                <a:latin typeface="Courier New"/>
-                <a:cs typeface="Courier New"/>
-              </a:rPr>
-              <a:t>}</a:t>
-            </a:r>
-            <a:endParaRPr sz="3200" dirty="0">
-              <a:latin typeface="Courier New"/>
-              <a:cs typeface="Courier New"/>
+            <a:pPr marL="31115">
+              <a:lnSpc>
+                <a:spcPct val="100000"/>
+              </a:lnSpc>
+            </a:pPr>
+            <a:r>
+              <a:rPr sz="2000" dirty="0"/>
+              <a:t>Не</a:t>
+            </a:r>
+            <a:r>
+              <a:rPr sz="2000" spc="-70" dirty="0"/>
+              <a:t> </a:t>
+            </a:r>
+            <a:r>
+              <a:rPr sz="2000" dirty="0"/>
+              <a:t>забывать</a:t>
+            </a:r>
+            <a:r>
+              <a:rPr sz="2000" spc="-35" dirty="0"/>
+              <a:t> </a:t>
+            </a:r>
+            <a:r>
+              <a:rPr sz="2000" dirty="0"/>
+              <a:t>про</a:t>
+            </a:r>
+            <a:r>
+              <a:rPr sz="2000" spc="-65" dirty="0"/>
+              <a:t> </a:t>
+            </a:r>
+            <a:r>
+              <a:rPr sz="2000" dirty="0"/>
+              <a:t>отступы</a:t>
+            </a:r>
+            <a:r>
+              <a:rPr sz="2000" spc="-25" dirty="0"/>
+              <a:t> </a:t>
+            </a:r>
+            <a:r>
+              <a:rPr sz="2000" dirty="0"/>
+              <a:t>по</a:t>
+            </a:r>
+            <a:r>
+              <a:rPr sz="2000" spc="-55" dirty="0"/>
+              <a:t> </a:t>
+            </a:r>
+            <a:r>
+              <a:rPr sz="2000" spc="-10" dirty="0"/>
+              <a:t>умолчанию</a:t>
+            </a:r>
+          </a:p>
+          <a:p>
+            <a:pPr marL="31115">
+              <a:lnSpc>
+                <a:spcPct val="100000"/>
+              </a:lnSpc>
+              <a:spcBef>
+                <a:spcPts val="290"/>
+              </a:spcBef>
+            </a:pPr>
+            <a:r>
+              <a:rPr sz="2000" b="0" spc="-10" dirty="0">
+                <a:latin typeface="Microsoft Sans Serif"/>
+                <a:cs typeface="Microsoft Sans Serif"/>
+              </a:rPr>
+              <a:t>Например,</a:t>
+            </a:r>
+            <a:r>
+              <a:rPr sz="2000" b="0" spc="-30" dirty="0">
+                <a:latin typeface="Microsoft Sans Serif"/>
+                <a:cs typeface="Microsoft Sans Serif"/>
+              </a:rPr>
+              <a:t> </a:t>
+            </a:r>
+            <a:r>
+              <a:rPr sz="2000" b="0" dirty="0">
+                <a:latin typeface="Microsoft Sans Serif"/>
+                <a:cs typeface="Microsoft Sans Serif"/>
+              </a:rPr>
+              <a:t>у</a:t>
+            </a:r>
+            <a:r>
+              <a:rPr sz="2000" b="0" spc="-25" dirty="0">
+                <a:latin typeface="Microsoft Sans Serif"/>
+                <a:cs typeface="Microsoft Sans Serif"/>
+              </a:rPr>
+              <a:t> </a:t>
+            </a:r>
+            <a:r>
+              <a:rPr sz="2000" b="0" spc="-20" dirty="0">
+                <a:latin typeface="Microsoft Sans Serif"/>
+                <a:cs typeface="Microsoft Sans Serif"/>
+              </a:rPr>
+              <a:t>заголовков</a:t>
+            </a:r>
+            <a:r>
+              <a:rPr sz="2000" b="0" spc="-25" dirty="0">
+                <a:latin typeface="Microsoft Sans Serif"/>
+                <a:cs typeface="Microsoft Sans Serif"/>
+              </a:rPr>
+              <a:t> </a:t>
+            </a:r>
+            <a:r>
+              <a:rPr sz="2000" b="0" spc="-10" dirty="0">
+                <a:latin typeface="Microsoft Sans Serif"/>
+                <a:cs typeface="Microsoft Sans Serif"/>
+              </a:rPr>
+              <a:t>(h1</a:t>
+            </a:r>
+            <a:r>
+              <a:rPr sz="2000" b="0" spc="-10" dirty="0">
+                <a:latin typeface="Arial MT"/>
+                <a:cs typeface="Arial MT"/>
+              </a:rPr>
+              <a:t>-</a:t>
+            </a:r>
+            <a:r>
+              <a:rPr sz="2000" b="0" dirty="0">
+                <a:latin typeface="Microsoft Sans Serif"/>
+                <a:cs typeface="Microsoft Sans Serif"/>
+              </a:rPr>
+              <a:t>6)</a:t>
+            </a:r>
+            <a:r>
+              <a:rPr sz="2000" b="0" spc="-15" dirty="0">
+                <a:latin typeface="Microsoft Sans Serif"/>
+                <a:cs typeface="Microsoft Sans Serif"/>
+              </a:rPr>
+              <a:t> </a:t>
+            </a:r>
+            <a:r>
+              <a:rPr sz="2000" b="0" dirty="0">
+                <a:latin typeface="Microsoft Sans Serif"/>
+                <a:cs typeface="Microsoft Sans Serif"/>
+              </a:rPr>
+              <a:t>есть</a:t>
+            </a:r>
+            <a:r>
+              <a:rPr sz="2000" b="0" spc="-25" dirty="0">
+                <a:latin typeface="Microsoft Sans Serif"/>
+                <a:cs typeface="Microsoft Sans Serif"/>
+              </a:rPr>
+              <a:t> </a:t>
+            </a:r>
+            <a:r>
+              <a:rPr sz="2000" b="0" dirty="0">
+                <a:latin typeface="Microsoft Sans Serif"/>
+                <a:cs typeface="Microsoft Sans Serif"/>
+              </a:rPr>
+              <a:t>верхний</a:t>
+            </a:r>
+            <a:r>
+              <a:rPr sz="2000" b="0" spc="-25" dirty="0">
+                <a:latin typeface="Microsoft Sans Serif"/>
+                <a:cs typeface="Microsoft Sans Serif"/>
+              </a:rPr>
+              <a:t> </a:t>
+            </a:r>
+            <a:r>
+              <a:rPr sz="2000" b="0" dirty="0">
+                <a:latin typeface="Microsoft Sans Serif"/>
+                <a:cs typeface="Microsoft Sans Serif"/>
+              </a:rPr>
+              <a:t>и</a:t>
+            </a:r>
+            <a:r>
+              <a:rPr sz="2000" b="0" spc="-20" dirty="0">
+                <a:latin typeface="Microsoft Sans Serif"/>
+                <a:cs typeface="Microsoft Sans Serif"/>
+              </a:rPr>
+              <a:t> </a:t>
+            </a:r>
+            <a:r>
+              <a:rPr sz="2000" b="0" dirty="0">
+                <a:latin typeface="Microsoft Sans Serif"/>
+                <a:cs typeface="Microsoft Sans Serif"/>
+              </a:rPr>
+              <a:t>нижний</a:t>
+            </a:r>
+            <a:r>
+              <a:rPr sz="2000" b="0" spc="-30" dirty="0">
+                <a:latin typeface="Microsoft Sans Serif"/>
+                <a:cs typeface="Microsoft Sans Serif"/>
+              </a:rPr>
+              <a:t> </a:t>
+            </a:r>
+            <a:r>
+              <a:rPr sz="2000" b="0" spc="-10" dirty="0">
+                <a:latin typeface="Microsoft Sans Serif"/>
+                <a:cs typeface="Microsoft Sans Serif"/>
+              </a:rPr>
+              <a:t>отступы</a:t>
+            </a:r>
+            <a:endParaRPr sz="2000" dirty="0">
+              <a:latin typeface="Microsoft Sans Serif"/>
+              <a:cs typeface="Microsoft Sans Serif"/>
             </a:endParaRPr>
           </a:p>
         </p:txBody>
       </p:sp>
+      <p:pic>
+        <p:nvPicPr>
+          <p:cNvPr id="5" name="object 5"/>
+          <p:cNvPicPr/>
+          <p:nvPr/>
+        </p:nvPicPr>
+        <p:blipFill>
+          <a:blip r:embed="rId3" cstate="print"/>
+          <a:stretch>
+            <a:fillRect/>
+          </a:stretch>
+        </p:blipFill>
+        <p:spPr>
+          <a:xfrm>
+            <a:off x="678687" y="4037267"/>
+            <a:ext cx="248412" cy="249935"/>
+          </a:xfrm>
+          <a:prstGeom prst="rect">
+            <a:avLst/>
+          </a:prstGeom>
+        </p:spPr>
+      </p:pic>
+      <p:pic>
+        <p:nvPicPr>
+          <p:cNvPr id="6" name="object 6"/>
+          <p:cNvPicPr/>
+          <p:nvPr/>
+        </p:nvPicPr>
+        <p:blipFill>
+          <a:blip r:embed="rId4" cstate="print"/>
+          <a:stretch>
+            <a:fillRect/>
+          </a:stretch>
+        </p:blipFill>
+        <p:spPr>
+          <a:xfrm>
+            <a:off x="673860" y="5437599"/>
+            <a:ext cx="249936" cy="248412"/>
+          </a:xfrm>
+          <a:prstGeom prst="rect">
+            <a:avLst/>
+          </a:prstGeom>
+        </p:spPr>
+      </p:pic>
+      <p:pic>
+        <p:nvPicPr>
+          <p:cNvPr id="7" name="object 7"/>
+          <p:cNvPicPr/>
+          <p:nvPr/>
+        </p:nvPicPr>
+        <p:blipFill>
+          <a:blip r:embed="rId5" cstate="print"/>
+          <a:stretch>
+            <a:fillRect/>
+          </a:stretch>
+        </p:blipFill>
+        <p:spPr>
+          <a:xfrm>
+            <a:off x="673860" y="6854189"/>
+            <a:ext cx="249936" cy="249936"/>
+          </a:xfrm>
+          <a:prstGeom prst="rect">
+            <a:avLst/>
+          </a:prstGeom>
+        </p:spPr>
+      </p:pic>
+      <p:pic>
+        <p:nvPicPr>
+          <p:cNvPr id="8" name="object 8"/>
+          <p:cNvPicPr/>
+          <p:nvPr/>
+        </p:nvPicPr>
+        <p:blipFill>
+          <a:blip r:embed="rId6" cstate="print"/>
+          <a:stretch>
+            <a:fillRect/>
+          </a:stretch>
+        </p:blipFill>
+        <p:spPr>
+          <a:xfrm>
+            <a:off x="673860" y="7886700"/>
+            <a:ext cx="249936" cy="248412"/>
+          </a:xfrm>
+          <a:prstGeom prst="rect">
+            <a:avLst/>
+          </a:prstGeom>
+        </p:spPr>
+      </p:pic>
     </p:spTree>
     <p:extLst>
       <p:ext uri="{BB962C8B-B14F-4D97-AF65-F5344CB8AC3E}">
-        <p14:creationId xmlns:p14="http://schemas.microsoft.com/office/powerpoint/2010/main" val="3332308833"/>
+        <p14:creationId xmlns:p14="http://schemas.microsoft.com/office/powerpoint/2010/main" val="2309107470"/>
       </p:ext>
     </p:extLst>
   </p:cSld>
@@ -31149,932 +31382,6 @@
       </p:par>
     </p:tnLst>
   </p:timing>
-</p:sld>
-</file>
-
-<file path=ppt/slides/slide70.xml><?xml version="1.0" encoding="utf-8"?>
-<p:sld xmlns:a="http://schemas.openxmlformats.org/drawingml/2006/main" xmlns:r="http://schemas.openxmlformats.org/officeDocument/2006/relationships" xmlns:p="http://schemas.openxmlformats.org/presentationml/2006/main">
-  <p:cSld>
-    <p:spTree>
-      <p:nvGrpSpPr>
-        <p:cNvPr id="1" name=""/>
-        <p:cNvGrpSpPr/>
-        <p:nvPr/>
-      </p:nvGrpSpPr>
-      <p:grpSpPr>
-        <a:xfrm>
-          <a:off x="0" y="0"/>
-          <a:ext cx="0" cy="0"/>
-          <a:chOff x="0" y="0"/>
-          <a:chExt cx="0" cy="0"/>
-        </a:xfrm>
-      </p:grpSpPr>
-      <p:sp>
-        <p:nvSpPr>
-          <p:cNvPr id="2" name="object 2"/>
-          <p:cNvSpPr txBox="1">
-            <a:spLocks noGrp="1"/>
-          </p:cNvSpPr>
-          <p:nvPr>
-            <p:ph type="title"/>
-          </p:nvPr>
-        </p:nvSpPr>
-        <p:spPr>
-          <a:xfrm>
-            <a:off x="602081" y="1702384"/>
-            <a:ext cx="9189619" cy="1784463"/>
-          </a:xfrm>
-          <a:prstGeom prst="rect">
-            <a:avLst/>
-          </a:prstGeom>
-        </p:spPr>
-        <p:txBody>
-          <a:bodyPr vert="horz" wrap="square" lIns="0" tIns="116205" rIns="0" bIns="0" rtlCol="0">
-            <a:spAutoFit/>
-          </a:bodyPr>
-          <a:lstStyle/>
-          <a:p>
-            <a:pPr marL="12700" marR="5080">
-              <a:lnSpc>
-                <a:spcPts val="6480"/>
-              </a:lnSpc>
-              <a:spcBef>
-                <a:spcPts val="915"/>
-              </a:spcBef>
-            </a:pPr>
-            <a:r>
-              <a:rPr dirty="0"/>
-              <a:t>Принципы</a:t>
-            </a:r>
-            <a:r>
-              <a:rPr spc="-30" dirty="0"/>
-              <a:t> </a:t>
-            </a:r>
-            <a:r>
-              <a:rPr spc="-10" dirty="0"/>
-              <a:t>организации отступов</a:t>
-            </a:r>
-          </a:p>
-        </p:txBody>
-      </p:sp>
-      <p:pic>
-        <p:nvPicPr>
-          <p:cNvPr id="3" name="object 3"/>
-          <p:cNvPicPr/>
-          <p:nvPr/>
-        </p:nvPicPr>
-        <p:blipFill>
-          <a:blip r:embed="rId2" cstate="print"/>
-          <a:stretch>
-            <a:fillRect/>
-          </a:stretch>
-        </p:blipFill>
-        <p:spPr>
-          <a:xfrm>
-            <a:off x="574548" y="370331"/>
-            <a:ext cx="1659636" cy="726948"/>
-          </a:xfrm>
-          <a:prstGeom prst="rect">
-            <a:avLst/>
-          </a:prstGeom>
-        </p:spPr>
-      </p:pic>
-      <p:sp>
-        <p:nvSpPr>
-          <p:cNvPr id="4" name="object 4"/>
-          <p:cNvSpPr txBox="1">
-            <a:spLocks noGrp="1"/>
-          </p:cNvSpPr>
-          <p:nvPr>
-            <p:ph type="body" idx="1"/>
-          </p:nvPr>
-        </p:nvSpPr>
-        <p:spPr>
-          <a:xfrm>
-            <a:off x="1137919" y="3920780"/>
-            <a:ext cx="7292975" cy="5071260"/>
-          </a:xfrm>
-          <a:prstGeom prst="rect">
-            <a:avLst/>
-          </a:prstGeom>
-        </p:spPr>
-        <p:txBody>
-          <a:bodyPr vert="horz" wrap="square" lIns="0" tIns="48895" rIns="0" bIns="0" rtlCol="0">
-            <a:spAutoFit/>
-          </a:bodyPr>
-          <a:lstStyle/>
-          <a:p>
-            <a:pPr marL="12700">
-              <a:lnSpc>
-                <a:spcPct val="100000"/>
-              </a:lnSpc>
-              <a:spcBef>
-                <a:spcPts val="385"/>
-              </a:spcBef>
-            </a:pPr>
-            <a:r>
-              <a:rPr sz="2000" dirty="0"/>
-              <a:t>Отступы</a:t>
-            </a:r>
-            <a:r>
-              <a:rPr sz="2000" spc="-85" dirty="0"/>
-              <a:t> </a:t>
-            </a:r>
-            <a:r>
-              <a:rPr sz="2000" spc="-10" dirty="0"/>
-              <a:t>задаются</a:t>
-            </a:r>
-          </a:p>
-          <a:p>
-            <a:pPr marL="12700">
-              <a:lnSpc>
-                <a:spcPct val="100000"/>
-              </a:lnSpc>
-              <a:spcBef>
-                <a:spcPts val="290"/>
-              </a:spcBef>
-            </a:pPr>
-            <a:r>
-              <a:rPr sz="2000" dirty="0"/>
-              <a:t>от</a:t>
-            </a:r>
-            <a:r>
-              <a:rPr sz="2000" spc="-95" dirty="0"/>
-              <a:t> </a:t>
-            </a:r>
-            <a:r>
-              <a:rPr sz="2000" dirty="0"/>
-              <a:t>предыдущего</a:t>
-            </a:r>
-            <a:r>
-              <a:rPr sz="2000" spc="-65" dirty="0"/>
-              <a:t> </a:t>
-            </a:r>
-            <a:r>
-              <a:rPr sz="2000" dirty="0"/>
-              <a:t>элемента</a:t>
-            </a:r>
-            <a:r>
-              <a:rPr sz="2000" spc="-50" dirty="0"/>
-              <a:t> </a:t>
-            </a:r>
-            <a:r>
-              <a:rPr sz="2000" dirty="0"/>
-              <a:t>к</a:t>
-            </a:r>
-            <a:r>
-              <a:rPr sz="2000" spc="-85" dirty="0"/>
-              <a:t> </a:t>
-            </a:r>
-            <a:r>
-              <a:rPr sz="2000" spc="-10" dirty="0"/>
-              <a:t>следующему</a:t>
-            </a:r>
-          </a:p>
-          <a:p>
-            <a:pPr marL="12700">
-              <a:lnSpc>
-                <a:spcPct val="100000"/>
-              </a:lnSpc>
-              <a:spcBef>
-                <a:spcPts val="285"/>
-              </a:spcBef>
-            </a:pPr>
-            <a:r>
-              <a:rPr sz="2000" b="0" dirty="0">
-                <a:latin typeface="Microsoft Sans Serif"/>
-                <a:cs typeface="Microsoft Sans Serif"/>
-              </a:rPr>
-              <a:t>Нужно</a:t>
-            </a:r>
-            <a:r>
-              <a:rPr sz="2000" b="0" spc="-45" dirty="0">
-                <a:latin typeface="Microsoft Sans Serif"/>
-                <a:cs typeface="Microsoft Sans Serif"/>
-              </a:rPr>
-              <a:t> </a:t>
-            </a:r>
-            <a:r>
-              <a:rPr sz="2000" b="0" dirty="0">
-                <a:latin typeface="Microsoft Sans Serif"/>
-                <a:cs typeface="Microsoft Sans Serif"/>
-              </a:rPr>
-              <a:t>стремиться</a:t>
-            </a:r>
-            <a:r>
-              <a:rPr sz="2000" b="0" spc="-40" dirty="0">
-                <a:latin typeface="Microsoft Sans Serif"/>
-                <a:cs typeface="Microsoft Sans Serif"/>
-              </a:rPr>
-              <a:t> </a:t>
-            </a:r>
-            <a:r>
-              <a:rPr sz="2000" b="0" spc="-10" dirty="0">
-                <a:latin typeface="Microsoft Sans Serif"/>
-                <a:cs typeface="Microsoft Sans Serif"/>
-              </a:rPr>
-              <a:t>использовать</a:t>
-            </a:r>
-            <a:r>
-              <a:rPr sz="2000" b="0" spc="-40" dirty="0">
-                <a:latin typeface="Microsoft Sans Serif"/>
-                <a:cs typeface="Microsoft Sans Serif"/>
-              </a:rPr>
-              <a:t> </a:t>
-            </a:r>
-            <a:r>
-              <a:rPr sz="2000" b="0" spc="-10" dirty="0">
-                <a:latin typeface="Microsoft Sans Serif"/>
-                <a:cs typeface="Microsoft Sans Serif"/>
-              </a:rPr>
-              <a:t>margin</a:t>
-            </a:r>
-            <a:r>
-              <a:rPr sz="2000" b="0" spc="-10" dirty="0">
-                <a:latin typeface="Arial MT"/>
-                <a:cs typeface="Arial MT"/>
-              </a:rPr>
-              <a:t>-</a:t>
-            </a:r>
-            <a:r>
-              <a:rPr sz="2000" b="0" dirty="0">
-                <a:latin typeface="Microsoft Sans Serif"/>
-                <a:cs typeface="Microsoft Sans Serif"/>
-              </a:rPr>
-              <a:t>right</a:t>
-            </a:r>
-            <a:r>
-              <a:rPr sz="2000" b="0" spc="-40" dirty="0">
-                <a:latin typeface="Microsoft Sans Serif"/>
-                <a:cs typeface="Microsoft Sans Serif"/>
-              </a:rPr>
-              <a:t> </a:t>
-            </a:r>
-            <a:r>
-              <a:rPr sz="2000" b="0" dirty="0">
-                <a:latin typeface="Microsoft Sans Serif"/>
-                <a:cs typeface="Microsoft Sans Serif"/>
-              </a:rPr>
-              <a:t>и</a:t>
-            </a:r>
-            <a:r>
-              <a:rPr sz="2000" b="0" spc="-45" dirty="0">
-                <a:latin typeface="Microsoft Sans Serif"/>
-                <a:cs typeface="Microsoft Sans Serif"/>
-              </a:rPr>
-              <a:t> </a:t>
-            </a:r>
-            <a:r>
-              <a:rPr sz="2000" b="0" spc="-10" dirty="0">
-                <a:latin typeface="Microsoft Sans Serif"/>
-                <a:cs typeface="Microsoft Sans Serif"/>
-              </a:rPr>
-              <a:t>margin</a:t>
-            </a:r>
-            <a:r>
-              <a:rPr sz="2000" b="0" spc="-10" dirty="0">
-                <a:latin typeface="Arial MT"/>
-                <a:cs typeface="Arial MT"/>
-              </a:rPr>
-              <a:t>-bottom</a:t>
-            </a:r>
-            <a:endParaRPr sz="2000" dirty="0">
-              <a:latin typeface="Arial MT"/>
-              <a:cs typeface="Arial MT"/>
-            </a:endParaRPr>
-          </a:p>
-          <a:p>
-            <a:pPr>
-              <a:lnSpc>
-                <a:spcPct val="100000"/>
-              </a:lnSpc>
-              <a:spcBef>
-                <a:spcPts val="865"/>
-              </a:spcBef>
-            </a:pPr>
-            <a:endParaRPr sz="2000" dirty="0">
-              <a:latin typeface="Arial MT"/>
-              <a:cs typeface="Arial MT"/>
-            </a:endParaRPr>
-          </a:p>
-          <a:p>
-            <a:pPr marL="31115">
-              <a:lnSpc>
-                <a:spcPct val="100000"/>
-              </a:lnSpc>
-            </a:pPr>
-            <a:r>
-              <a:rPr sz="2000" dirty="0"/>
-              <a:t>Отступы</a:t>
-            </a:r>
-            <a:r>
-              <a:rPr sz="2000" spc="-85" dirty="0"/>
-              <a:t> </a:t>
-            </a:r>
-            <a:r>
-              <a:rPr sz="2000" spc="-10" dirty="0"/>
-              <a:t>задаются</a:t>
-            </a:r>
-          </a:p>
-          <a:p>
-            <a:pPr marL="31115">
-              <a:lnSpc>
-                <a:spcPct val="100000"/>
-              </a:lnSpc>
-              <a:spcBef>
-                <a:spcPts val="285"/>
-              </a:spcBef>
-            </a:pPr>
-            <a:r>
-              <a:rPr sz="2000" dirty="0"/>
-              <a:t>только</a:t>
-            </a:r>
-            <a:r>
-              <a:rPr sz="2000" spc="-85" dirty="0"/>
-              <a:t> </a:t>
-            </a:r>
-            <a:r>
-              <a:rPr sz="2000" dirty="0"/>
-              <a:t>между</a:t>
-            </a:r>
-            <a:r>
-              <a:rPr sz="2000" spc="-85" dirty="0"/>
-              <a:t> </a:t>
-            </a:r>
-            <a:r>
-              <a:rPr sz="2000" dirty="0"/>
-              <a:t>соседними</a:t>
-            </a:r>
-            <a:r>
-              <a:rPr sz="2000" spc="-90" dirty="0"/>
-              <a:t> </a:t>
-            </a:r>
-            <a:r>
-              <a:rPr sz="2000" dirty="0"/>
-              <a:t>элементами</a:t>
-            </a:r>
-            <a:r>
-              <a:rPr sz="2000" spc="-65" dirty="0"/>
-              <a:t> </a:t>
-            </a:r>
-            <a:r>
-              <a:rPr sz="2000" dirty="0"/>
-              <a:t>в</a:t>
-            </a:r>
-            <a:r>
-              <a:rPr sz="2000" spc="-90" dirty="0"/>
-              <a:t> </a:t>
-            </a:r>
-            <a:r>
-              <a:rPr sz="2000" spc="-10" dirty="0"/>
-              <a:t>потоке</a:t>
-            </a:r>
-          </a:p>
-          <a:p>
-            <a:pPr marL="31115">
-              <a:lnSpc>
-                <a:spcPct val="100000"/>
-              </a:lnSpc>
-              <a:spcBef>
-                <a:spcPts val="290"/>
-              </a:spcBef>
-            </a:pPr>
-            <a:r>
-              <a:rPr sz="2000" b="0" dirty="0">
-                <a:latin typeface="Microsoft Sans Serif"/>
-                <a:cs typeface="Microsoft Sans Serif"/>
-              </a:rPr>
-              <a:t>Отступы</a:t>
-            </a:r>
-            <a:r>
-              <a:rPr sz="2000" b="0" spc="-40" dirty="0">
-                <a:latin typeface="Microsoft Sans Serif"/>
-                <a:cs typeface="Microsoft Sans Serif"/>
-              </a:rPr>
-              <a:t> </a:t>
-            </a:r>
-            <a:r>
-              <a:rPr sz="2000" b="0" dirty="0">
-                <a:latin typeface="Microsoft Sans Serif"/>
-                <a:cs typeface="Microsoft Sans Serif"/>
-              </a:rPr>
-              <a:t>по</a:t>
-            </a:r>
-            <a:r>
-              <a:rPr sz="2000" b="0" spc="-60" dirty="0">
-                <a:latin typeface="Microsoft Sans Serif"/>
-                <a:cs typeface="Microsoft Sans Serif"/>
-              </a:rPr>
-              <a:t> </a:t>
-            </a:r>
-            <a:r>
-              <a:rPr sz="2000" b="0" spc="-10" dirty="0">
-                <a:latin typeface="Microsoft Sans Serif"/>
-                <a:cs typeface="Microsoft Sans Serif"/>
-              </a:rPr>
-              <a:t>краям</a:t>
-            </a:r>
-            <a:r>
-              <a:rPr sz="2000" b="0" spc="-40" dirty="0">
-                <a:latin typeface="Microsoft Sans Serif"/>
-                <a:cs typeface="Microsoft Sans Serif"/>
-              </a:rPr>
-              <a:t> </a:t>
-            </a:r>
-            <a:r>
-              <a:rPr sz="2000" b="0" dirty="0">
-                <a:latin typeface="Microsoft Sans Serif"/>
-                <a:cs typeface="Microsoft Sans Serif"/>
-              </a:rPr>
-              <a:t>задавать</a:t>
-            </a:r>
-            <a:r>
-              <a:rPr sz="2000" b="0" spc="-55" dirty="0">
-                <a:latin typeface="Microsoft Sans Serif"/>
-                <a:cs typeface="Microsoft Sans Serif"/>
-              </a:rPr>
-              <a:t> </a:t>
-            </a:r>
-            <a:r>
-              <a:rPr sz="2000" b="0" dirty="0">
-                <a:latin typeface="Microsoft Sans Serif"/>
-                <a:cs typeface="Microsoft Sans Serif"/>
-              </a:rPr>
-              <a:t>не</a:t>
-            </a:r>
-            <a:r>
-              <a:rPr sz="2000" b="0" spc="-50" dirty="0">
-                <a:latin typeface="Microsoft Sans Serif"/>
-                <a:cs typeface="Microsoft Sans Serif"/>
-              </a:rPr>
-              <a:t> </a:t>
-            </a:r>
-            <a:r>
-              <a:rPr sz="2000" b="0" spc="-10" dirty="0">
-                <a:latin typeface="Microsoft Sans Serif"/>
-                <a:cs typeface="Microsoft Sans Serif"/>
-              </a:rPr>
-              <a:t>следует</a:t>
-            </a:r>
-            <a:endParaRPr sz="2000" dirty="0">
-              <a:latin typeface="Microsoft Sans Serif"/>
-              <a:cs typeface="Microsoft Sans Serif"/>
-            </a:endParaRPr>
-          </a:p>
-          <a:p>
-            <a:pPr>
-              <a:lnSpc>
-                <a:spcPct val="100000"/>
-              </a:lnSpc>
-              <a:spcBef>
-                <a:spcPts val="880"/>
-              </a:spcBef>
-            </a:pPr>
-            <a:endParaRPr sz="2000" dirty="0">
-              <a:latin typeface="Microsoft Sans Serif"/>
-              <a:cs typeface="Microsoft Sans Serif"/>
-            </a:endParaRPr>
-          </a:p>
-          <a:p>
-            <a:pPr marL="31115">
-              <a:lnSpc>
-                <a:spcPct val="100000"/>
-              </a:lnSpc>
-            </a:pPr>
-            <a:r>
-              <a:rPr sz="2000" spc="-10" dirty="0"/>
-              <a:t>Последнему</a:t>
-            </a:r>
-            <a:r>
-              <a:rPr sz="2000" spc="-100" dirty="0"/>
-              <a:t> </a:t>
-            </a:r>
-            <a:r>
-              <a:rPr sz="2000" dirty="0"/>
-              <a:t>элементу</a:t>
-            </a:r>
-            <a:r>
-              <a:rPr sz="2000" spc="-85" dirty="0"/>
-              <a:t> </a:t>
-            </a:r>
-            <a:r>
-              <a:rPr sz="2000" dirty="0"/>
-              <a:t>группы</a:t>
-            </a:r>
-            <a:r>
-              <a:rPr sz="2000" spc="-80" dirty="0"/>
-              <a:t> </a:t>
-            </a:r>
-            <a:r>
-              <a:rPr sz="2000" dirty="0"/>
-              <a:t>нужно</a:t>
-            </a:r>
-            <a:r>
-              <a:rPr sz="2000" spc="-90" dirty="0"/>
-              <a:t> </a:t>
-            </a:r>
-            <a:r>
-              <a:rPr sz="2000" dirty="0"/>
-              <a:t>обнулять</a:t>
-            </a:r>
-            <a:r>
-              <a:rPr sz="2000" spc="-70" dirty="0"/>
-              <a:t> </a:t>
-            </a:r>
-            <a:r>
-              <a:rPr sz="2000" spc="-10" dirty="0"/>
-              <a:t>отступ</a:t>
-            </a:r>
-          </a:p>
-          <a:p>
-            <a:pPr marL="31115">
-              <a:lnSpc>
-                <a:spcPct val="100000"/>
-              </a:lnSpc>
-              <a:spcBef>
-                <a:spcPts val="290"/>
-              </a:spcBef>
-            </a:pPr>
-            <a:r>
-              <a:rPr sz="2000" b="0" i="1" dirty="0">
-                <a:latin typeface="Arial"/>
-                <a:cs typeface="Arial"/>
-              </a:rPr>
-              <a:t>Следствие</a:t>
-            </a:r>
-            <a:r>
-              <a:rPr sz="2000" b="0" i="1" spc="-30" dirty="0">
-                <a:latin typeface="Arial"/>
-                <a:cs typeface="Arial"/>
-              </a:rPr>
-              <a:t> </a:t>
-            </a:r>
-            <a:r>
-              <a:rPr sz="2000" b="0" i="1" dirty="0">
-                <a:latin typeface="Arial"/>
-                <a:cs typeface="Arial"/>
-              </a:rPr>
-              <a:t>правил</a:t>
-            </a:r>
-            <a:r>
-              <a:rPr sz="2000" b="0" i="1" spc="5" dirty="0">
-                <a:latin typeface="Arial"/>
-                <a:cs typeface="Arial"/>
-              </a:rPr>
-              <a:t> </a:t>
-            </a:r>
-            <a:r>
-              <a:rPr sz="2000" b="0" i="1" dirty="0">
-                <a:latin typeface="Arial"/>
-                <a:cs typeface="Arial"/>
-              </a:rPr>
-              <a:t>1</a:t>
-            </a:r>
-            <a:r>
-              <a:rPr sz="2000" b="0" i="1" spc="-20" dirty="0">
-                <a:latin typeface="Arial"/>
-                <a:cs typeface="Arial"/>
-              </a:rPr>
-              <a:t> </a:t>
-            </a:r>
-            <a:r>
-              <a:rPr sz="2000" b="0" i="1" dirty="0">
-                <a:latin typeface="Arial"/>
-                <a:cs typeface="Arial"/>
-              </a:rPr>
-              <a:t>и</a:t>
-            </a:r>
-            <a:r>
-              <a:rPr sz="2000" b="0" i="1" spc="-5" dirty="0">
-                <a:latin typeface="Arial"/>
-                <a:cs typeface="Arial"/>
-              </a:rPr>
-              <a:t> </a:t>
-            </a:r>
-            <a:r>
-              <a:rPr sz="2000" b="0" i="1" spc="-50" dirty="0">
-                <a:latin typeface="Arial"/>
-                <a:cs typeface="Arial"/>
-              </a:rPr>
-              <a:t>2</a:t>
-            </a:r>
-            <a:endParaRPr sz="2000" dirty="0">
-              <a:latin typeface="Arial"/>
-              <a:cs typeface="Arial"/>
-            </a:endParaRPr>
-          </a:p>
-          <a:p>
-            <a:pPr>
-              <a:lnSpc>
-                <a:spcPct val="100000"/>
-              </a:lnSpc>
-              <a:spcBef>
-                <a:spcPts val="985"/>
-              </a:spcBef>
-            </a:pPr>
-            <a:endParaRPr sz="2000" dirty="0">
-              <a:latin typeface="Arial"/>
-              <a:cs typeface="Arial"/>
-            </a:endParaRPr>
-          </a:p>
-          <a:p>
-            <a:pPr marL="31115">
-              <a:lnSpc>
-                <a:spcPct val="100000"/>
-              </a:lnSpc>
-            </a:pPr>
-            <a:r>
-              <a:rPr sz="2000" dirty="0"/>
-              <a:t>Не</a:t>
-            </a:r>
-            <a:r>
-              <a:rPr sz="2000" spc="-70" dirty="0"/>
-              <a:t> </a:t>
-            </a:r>
-            <a:r>
-              <a:rPr sz="2000" dirty="0"/>
-              <a:t>забывать</a:t>
-            </a:r>
-            <a:r>
-              <a:rPr sz="2000" spc="-35" dirty="0"/>
-              <a:t> </a:t>
-            </a:r>
-            <a:r>
-              <a:rPr sz="2000" dirty="0"/>
-              <a:t>про</a:t>
-            </a:r>
-            <a:r>
-              <a:rPr sz="2000" spc="-65" dirty="0"/>
-              <a:t> </a:t>
-            </a:r>
-            <a:r>
-              <a:rPr sz="2000" dirty="0"/>
-              <a:t>отступы</a:t>
-            </a:r>
-            <a:r>
-              <a:rPr sz="2000" spc="-25" dirty="0"/>
-              <a:t> </a:t>
-            </a:r>
-            <a:r>
-              <a:rPr sz="2000" dirty="0"/>
-              <a:t>по</a:t>
-            </a:r>
-            <a:r>
-              <a:rPr sz="2000" spc="-55" dirty="0"/>
-              <a:t> </a:t>
-            </a:r>
-            <a:r>
-              <a:rPr sz="2000" spc="-10" dirty="0"/>
-              <a:t>умолчанию</a:t>
-            </a:r>
-          </a:p>
-          <a:p>
-            <a:pPr marL="31115">
-              <a:lnSpc>
-                <a:spcPct val="100000"/>
-              </a:lnSpc>
-              <a:spcBef>
-                <a:spcPts val="290"/>
-              </a:spcBef>
-            </a:pPr>
-            <a:r>
-              <a:rPr sz="2000" b="0" spc="-10" dirty="0">
-                <a:latin typeface="Microsoft Sans Serif"/>
-                <a:cs typeface="Microsoft Sans Serif"/>
-              </a:rPr>
-              <a:t>Например,</a:t>
-            </a:r>
-            <a:r>
-              <a:rPr sz="2000" b="0" spc="-30" dirty="0">
-                <a:latin typeface="Microsoft Sans Serif"/>
-                <a:cs typeface="Microsoft Sans Serif"/>
-              </a:rPr>
-              <a:t> </a:t>
-            </a:r>
-            <a:r>
-              <a:rPr sz="2000" b="0" dirty="0">
-                <a:latin typeface="Microsoft Sans Serif"/>
-                <a:cs typeface="Microsoft Sans Serif"/>
-              </a:rPr>
-              <a:t>у</a:t>
-            </a:r>
-            <a:r>
-              <a:rPr sz="2000" b="0" spc="-25" dirty="0">
-                <a:latin typeface="Microsoft Sans Serif"/>
-                <a:cs typeface="Microsoft Sans Serif"/>
-              </a:rPr>
-              <a:t> </a:t>
-            </a:r>
-            <a:r>
-              <a:rPr sz="2000" b="0" spc="-20" dirty="0">
-                <a:latin typeface="Microsoft Sans Serif"/>
-                <a:cs typeface="Microsoft Sans Serif"/>
-              </a:rPr>
-              <a:t>заголовков</a:t>
-            </a:r>
-            <a:r>
-              <a:rPr sz="2000" b="0" spc="-25" dirty="0">
-                <a:latin typeface="Microsoft Sans Serif"/>
-                <a:cs typeface="Microsoft Sans Serif"/>
-              </a:rPr>
-              <a:t> </a:t>
-            </a:r>
-            <a:r>
-              <a:rPr sz="2000" b="0" spc="-10" dirty="0">
-                <a:latin typeface="Microsoft Sans Serif"/>
-                <a:cs typeface="Microsoft Sans Serif"/>
-              </a:rPr>
-              <a:t>(h1</a:t>
-            </a:r>
-            <a:r>
-              <a:rPr sz="2000" b="0" spc="-10" dirty="0">
-                <a:latin typeface="Arial MT"/>
-                <a:cs typeface="Arial MT"/>
-              </a:rPr>
-              <a:t>-</a:t>
-            </a:r>
-            <a:r>
-              <a:rPr sz="2000" b="0" dirty="0">
-                <a:latin typeface="Microsoft Sans Serif"/>
-                <a:cs typeface="Microsoft Sans Serif"/>
-              </a:rPr>
-              <a:t>6)</a:t>
-            </a:r>
-            <a:r>
-              <a:rPr sz="2000" b="0" spc="-15" dirty="0">
-                <a:latin typeface="Microsoft Sans Serif"/>
-                <a:cs typeface="Microsoft Sans Serif"/>
-              </a:rPr>
-              <a:t> </a:t>
-            </a:r>
-            <a:r>
-              <a:rPr sz="2000" b="0" dirty="0">
-                <a:latin typeface="Microsoft Sans Serif"/>
-                <a:cs typeface="Microsoft Sans Serif"/>
-              </a:rPr>
-              <a:t>есть</a:t>
-            </a:r>
-            <a:r>
-              <a:rPr sz="2000" b="0" spc="-25" dirty="0">
-                <a:latin typeface="Microsoft Sans Serif"/>
-                <a:cs typeface="Microsoft Sans Serif"/>
-              </a:rPr>
-              <a:t> </a:t>
-            </a:r>
-            <a:r>
-              <a:rPr sz="2000" b="0" dirty="0">
-                <a:latin typeface="Microsoft Sans Serif"/>
-                <a:cs typeface="Microsoft Sans Serif"/>
-              </a:rPr>
-              <a:t>верхний</a:t>
-            </a:r>
-            <a:r>
-              <a:rPr sz="2000" b="0" spc="-25" dirty="0">
-                <a:latin typeface="Microsoft Sans Serif"/>
-                <a:cs typeface="Microsoft Sans Serif"/>
-              </a:rPr>
-              <a:t> </a:t>
-            </a:r>
-            <a:r>
-              <a:rPr sz="2000" b="0" dirty="0">
-                <a:latin typeface="Microsoft Sans Serif"/>
-                <a:cs typeface="Microsoft Sans Serif"/>
-              </a:rPr>
-              <a:t>и</a:t>
-            </a:r>
-            <a:r>
-              <a:rPr sz="2000" b="0" spc="-20" dirty="0">
-                <a:latin typeface="Microsoft Sans Serif"/>
-                <a:cs typeface="Microsoft Sans Serif"/>
-              </a:rPr>
-              <a:t> </a:t>
-            </a:r>
-            <a:r>
-              <a:rPr sz="2000" b="0" dirty="0">
-                <a:latin typeface="Microsoft Sans Serif"/>
-                <a:cs typeface="Microsoft Sans Serif"/>
-              </a:rPr>
-              <a:t>нижний</a:t>
-            </a:r>
-            <a:r>
-              <a:rPr sz="2000" b="0" spc="-30" dirty="0">
-                <a:latin typeface="Microsoft Sans Serif"/>
-                <a:cs typeface="Microsoft Sans Serif"/>
-              </a:rPr>
-              <a:t> </a:t>
-            </a:r>
-            <a:r>
-              <a:rPr sz="2000" b="0" spc="-10" dirty="0">
-                <a:latin typeface="Microsoft Sans Serif"/>
-                <a:cs typeface="Microsoft Sans Serif"/>
-              </a:rPr>
-              <a:t>отступы</a:t>
-            </a:r>
-            <a:endParaRPr sz="2000" dirty="0">
-              <a:latin typeface="Microsoft Sans Serif"/>
-              <a:cs typeface="Microsoft Sans Serif"/>
-            </a:endParaRPr>
-          </a:p>
-        </p:txBody>
-      </p:sp>
-      <p:pic>
-        <p:nvPicPr>
-          <p:cNvPr id="5" name="object 5"/>
-          <p:cNvPicPr/>
-          <p:nvPr/>
-        </p:nvPicPr>
-        <p:blipFill>
-          <a:blip r:embed="rId3" cstate="print"/>
-          <a:stretch>
-            <a:fillRect/>
-          </a:stretch>
-        </p:blipFill>
-        <p:spPr>
-          <a:xfrm>
-            <a:off x="678687" y="4037267"/>
-            <a:ext cx="248412" cy="249935"/>
-          </a:xfrm>
-          <a:prstGeom prst="rect">
-            <a:avLst/>
-          </a:prstGeom>
-        </p:spPr>
-      </p:pic>
-      <p:pic>
-        <p:nvPicPr>
-          <p:cNvPr id="6" name="object 6"/>
-          <p:cNvPicPr/>
-          <p:nvPr/>
-        </p:nvPicPr>
-        <p:blipFill>
-          <a:blip r:embed="rId4" cstate="print"/>
-          <a:stretch>
-            <a:fillRect/>
-          </a:stretch>
-        </p:blipFill>
-        <p:spPr>
-          <a:xfrm>
-            <a:off x="673860" y="5437599"/>
-            <a:ext cx="249936" cy="248412"/>
-          </a:xfrm>
-          <a:prstGeom prst="rect">
-            <a:avLst/>
-          </a:prstGeom>
-        </p:spPr>
-      </p:pic>
-      <p:pic>
-        <p:nvPicPr>
-          <p:cNvPr id="7" name="object 7"/>
-          <p:cNvPicPr/>
-          <p:nvPr/>
-        </p:nvPicPr>
-        <p:blipFill>
-          <a:blip r:embed="rId5" cstate="print"/>
-          <a:stretch>
-            <a:fillRect/>
-          </a:stretch>
-        </p:blipFill>
-        <p:spPr>
-          <a:xfrm>
-            <a:off x="673860" y="6854189"/>
-            <a:ext cx="249936" cy="249936"/>
-          </a:xfrm>
-          <a:prstGeom prst="rect">
-            <a:avLst/>
-          </a:prstGeom>
-        </p:spPr>
-      </p:pic>
-      <p:pic>
-        <p:nvPicPr>
-          <p:cNvPr id="8" name="object 8"/>
-          <p:cNvPicPr/>
-          <p:nvPr/>
-        </p:nvPicPr>
-        <p:blipFill>
-          <a:blip r:embed="rId6" cstate="print"/>
-          <a:stretch>
-            <a:fillRect/>
-          </a:stretch>
-        </p:blipFill>
-        <p:spPr>
-          <a:xfrm>
-            <a:off x="673860" y="7886700"/>
-            <a:ext cx="249936" cy="248412"/>
-          </a:xfrm>
-          <a:prstGeom prst="rect">
-            <a:avLst/>
-          </a:prstGeom>
-        </p:spPr>
-      </p:pic>
-    </p:spTree>
-    <p:extLst>
-      <p:ext uri="{BB962C8B-B14F-4D97-AF65-F5344CB8AC3E}">
-        <p14:creationId xmlns:p14="http://schemas.microsoft.com/office/powerpoint/2010/main" val="2309107470"/>
-      </p:ext>
-    </p:extLst>
-  </p:cSld>
-  <p:clrMapOvr>
-    <a:masterClrMapping/>
-  </p:clrMapOvr>
 </p:sld>
 </file>
 
